--- a/WEEK1.pptx
+++ b/WEEK1.pptx
@@ -20,7 +20,7 @@
   <p:notesSz cx="6858000" cy="9144000"/>
   <p:defaultTextStyle>
     <a:defPPr>
-      <a:defRPr lang="en-PK"/>
+      <a:defRPr lang="x-none"/>
     </a:defPPr>
     <a:lvl1pPr marL="0" algn="l" defTabSz="914400" rtl="0" eaLnBrk="1" latinLnBrk="0" hangingPunct="1">
       <a:defRPr sz="1800" kern="1200">
@@ -377,7 +377,7 @@
           <p:cNvPr id="2" name="Header Placeholder 1">
             <a:extLst>
               <a:ext uri="{FF2B5EF4-FFF2-40B4-BE49-F238E27FC236}">
-                <a16:creationId xmlns:a16="http://schemas.microsoft.com/office/drawing/2014/main" id="{84384739-269E-E1F1-8ABC-69E6FF0B24E9}"/>
+                <a16:creationId xmlns:a16="http://schemas.microsoft.com/office/drawing/2014/main" xmlns="" id="{84384739-269E-E1F1-8ABC-69E6FF0B24E9}"/>
               </a:ext>
             </a:extLst>
           </p:cNvPr>
@@ -414,7 +414,7 @@
           <p:cNvPr id="3" name="Date Placeholder 2">
             <a:extLst>
               <a:ext uri="{FF2B5EF4-FFF2-40B4-BE49-F238E27FC236}">
-                <a16:creationId xmlns:a16="http://schemas.microsoft.com/office/drawing/2014/main" id="{407E762C-8F56-4D66-7FDD-AEC906335A85}"/>
+                <a16:creationId xmlns:a16="http://schemas.microsoft.com/office/drawing/2014/main" xmlns="" id="{407E762C-8F56-4D66-7FDD-AEC906335A85}"/>
               </a:ext>
             </a:extLst>
           </p:cNvPr>
@@ -444,7 +444,7 @@
           <a:p>
             <a:fld id="{58268699-2479-4C0A-8A94-0691180AD901}" type="datetimeFigureOut">
               <a:rPr lang="en-US" smtClean="0"/>
-              <a:t>5/27/2024</a:t>
+              <a:t>6/16/2024</a:t>
             </a:fld>
             <a:endParaRPr lang="en-US"/>
           </a:p>
@@ -455,7 +455,7 @@
           <p:cNvPr id="4" name="Footer Placeholder 3">
             <a:extLst>
               <a:ext uri="{FF2B5EF4-FFF2-40B4-BE49-F238E27FC236}">
-                <a16:creationId xmlns:a16="http://schemas.microsoft.com/office/drawing/2014/main" id="{1021BBEC-2A52-4B1C-EAC4-F2506E89EFB3}"/>
+                <a16:creationId xmlns:a16="http://schemas.microsoft.com/office/drawing/2014/main" xmlns="" id="{1021BBEC-2A52-4B1C-EAC4-F2506E89EFB3}"/>
               </a:ext>
             </a:extLst>
           </p:cNvPr>
@@ -492,7 +492,7 @@
           <p:cNvPr id="5" name="Slide Number Placeholder 4">
             <a:extLst>
               <a:ext uri="{FF2B5EF4-FFF2-40B4-BE49-F238E27FC236}">
-                <a16:creationId xmlns:a16="http://schemas.microsoft.com/office/drawing/2014/main" id="{BECE0FC2-0147-D8D1-D79B-AFEA881A3317}"/>
+                <a16:creationId xmlns:a16="http://schemas.microsoft.com/office/drawing/2014/main" xmlns="" id="{BECE0FC2-0147-D8D1-D79B-AFEA881A3317}"/>
               </a:ext>
             </a:extLst>
           </p:cNvPr>
@@ -621,7 +621,7 @@
           <a:p>
             <a:fld id="{D945F7B4-7442-4021-9F1E-8BC3C363C892}" type="datetimeFigureOut">
               <a:rPr lang="en-US" noProof="0" smtClean="0"/>
-              <a:t>5/27/2024</a:t>
+              <a:t>6/16/2024</a:t>
             </a:fld>
             <a:endParaRPr lang="en-US" noProof="0"/>
           </a:p>
@@ -918,7 +918,7 @@
           <p:cNvPr id="2" name="Title 1">
             <a:extLst>
               <a:ext uri="{FF2B5EF4-FFF2-40B4-BE49-F238E27FC236}">
-                <a16:creationId xmlns:a16="http://schemas.microsoft.com/office/drawing/2014/main" id="{396B8029-33F3-9414-AD10-00871D91AA5D}"/>
+                <a16:creationId xmlns:a16="http://schemas.microsoft.com/office/drawing/2014/main" xmlns="" id="{396B8029-33F3-9414-AD10-00871D91AA5D}"/>
               </a:ext>
             </a:extLst>
           </p:cNvPr>
@@ -956,7 +956,7 @@
               <a:rPr lang="en-US"/>
               <a:t>Click to edit Master title style</a:t>
             </a:r>
-            <a:endParaRPr lang="en-PK" dirty="0"/>
+            <a:endParaRPr lang="x-none" dirty="0"/>
           </a:p>
         </p:txBody>
       </p:sp>
@@ -965,7 +965,7 @@
           <p:cNvPr id="3" name="Subtitle 2">
             <a:extLst>
               <a:ext uri="{FF2B5EF4-FFF2-40B4-BE49-F238E27FC236}">
-                <a16:creationId xmlns:a16="http://schemas.microsoft.com/office/drawing/2014/main" id="{4F32B008-64B6-378D-9C5D-DCC8DFEBC69E}"/>
+                <a16:creationId xmlns:a16="http://schemas.microsoft.com/office/drawing/2014/main" xmlns="" id="{4F32B008-64B6-378D-9C5D-DCC8DFEBC69E}"/>
               </a:ext>
             </a:extLst>
           </p:cNvPr>
@@ -1037,7 +1037,7 @@
               <a:rPr lang="en-US"/>
               <a:t>Click to edit Master subtitle style</a:t>
             </a:r>
-            <a:endParaRPr lang="en-PK"/>
+            <a:endParaRPr lang="x-none"/>
           </a:p>
         </p:txBody>
       </p:sp>
@@ -1046,7 +1046,7 @@
           <p:cNvPr id="7" name="Group 6">
             <a:extLst>
               <a:ext uri="{FF2B5EF4-FFF2-40B4-BE49-F238E27FC236}">
-                <a16:creationId xmlns:a16="http://schemas.microsoft.com/office/drawing/2014/main" id="{15444BA9-47A2-8EBA-F11F-AF833CBC1FB6}"/>
+                <a16:creationId xmlns:a16="http://schemas.microsoft.com/office/drawing/2014/main" xmlns="" id="{15444BA9-47A2-8EBA-F11F-AF833CBC1FB6}"/>
               </a:ext>
             </a:extLst>
           </p:cNvPr>
@@ -1066,7 +1066,7 @@
             <p:cNvPr id="8" name="Straight Connector 7">
               <a:extLst>
                 <a:ext uri="{FF2B5EF4-FFF2-40B4-BE49-F238E27FC236}">
-                  <a16:creationId xmlns:a16="http://schemas.microsoft.com/office/drawing/2014/main" id="{F7C7E957-5A54-C6BB-DBCA-B0A579E99122}"/>
+                  <a16:creationId xmlns:a16="http://schemas.microsoft.com/office/drawing/2014/main" xmlns="" id="{F7C7E957-5A54-C6BB-DBCA-B0A579E99122}"/>
                 </a:ext>
               </a:extLst>
             </p:cNvPr>
@@ -1109,7 +1109,7 @@
             <p:cNvPr id="9" name="Straight Connector 8">
               <a:extLst>
                 <a:ext uri="{FF2B5EF4-FFF2-40B4-BE49-F238E27FC236}">
-                  <a16:creationId xmlns:a16="http://schemas.microsoft.com/office/drawing/2014/main" id="{F75792F5-3B57-83E5-2E85-1B67A64BF570}"/>
+                  <a16:creationId xmlns:a16="http://schemas.microsoft.com/office/drawing/2014/main" xmlns="" id="{F75792F5-3B57-83E5-2E85-1B67A64BF570}"/>
                 </a:ext>
               </a:extLst>
             </p:cNvPr>
@@ -1194,7 +1194,7 @@
           <p:cNvPr id="6" name="Footer Placeholder 5">
             <a:extLst>
               <a:ext uri="{FF2B5EF4-FFF2-40B4-BE49-F238E27FC236}">
-                <a16:creationId xmlns:a16="http://schemas.microsoft.com/office/drawing/2014/main" id="{DACF6E0F-D722-BAD9-C6AD-9A11DAE47EC0}"/>
+                <a16:creationId xmlns:a16="http://schemas.microsoft.com/office/drawing/2014/main" xmlns="" id="{DACF6E0F-D722-BAD9-C6AD-9A11DAE47EC0}"/>
               </a:ext>
             </a:extLst>
           </p:cNvPr>
@@ -1222,7 +1222,7 @@
           <p:cNvPr id="7" name="Slide Number Placeholder 6">
             <a:extLst>
               <a:ext uri="{FF2B5EF4-FFF2-40B4-BE49-F238E27FC236}">
-                <a16:creationId xmlns:a16="http://schemas.microsoft.com/office/drawing/2014/main" id="{61160B7A-B490-F67E-2740-38CA3A987691}"/>
+                <a16:creationId xmlns:a16="http://schemas.microsoft.com/office/drawing/2014/main" xmlns="" id="{61160B7A-B490-F67E-2740-38CA3A987691}"/>
               </a:ext>
             </a:extLst>
           </p:cNvPr>
@@ -1251,7 +1251,7 @@
           <p:cNvPr id="8" name="Title 1">
             <a:extLst>
               <a:ext uri="{FF2B5EF4-FFF2-40B4-BE49-F238E27FC236}">
-                <a16:creationId xmlns:a16="http://schemas.microsoft.com/office/drawing/2014/main" id="{814A6C9A-83F0-5E94-8A5B-89CB08282C38}"/>
+                <a16:creationId xmlns:a16="http://schemas.microsoft.com/office/drawing/2014/main" xmlns="" id="{814A6C9A-83F0-5E94-8A5B-89CB08282C38}"/>
               </a:ext>
             </a:extLst>
           </p:cNvPr>
@@ -1288,7 +1288,7 @@
           <p:cNvPr id="9" name="Group 8">
             <a:extLst>
               <a:ext uri="{FF2B5EF4-FFF2-40B4-BE49-F238E27FC236}">
-                <a16:creationId xmlns:a16="http://schemas.microsoft.com/office/drawing/2014/main" id="{52784B99-8374-AA22-4161-578F9BF77E2B}"/>
+                <a16:creationId xmlns:a16="http://schemas.microsoft.com/office/drawing/2014/main" xmlns="" id="{52784B99-8374-AA22-4161-578F9BF77E2B}"/>
               </a:ext>
             </a:extLst>
           </p:cNvPr>
@@ -1308,7 +1308,7 @@
             <p:cNvPr id="10" name="Straight Connector 9">
               <a:extLst>
                 <a:ext uri="{FF2B5EF4-FFF2-40B4-BE49-F238E27FC236}">
-                  <a16:creationId xmlns:a16="http://schemas.microsoft.com/office/drawing/2014/main" id="{F0F45B19-145D-7398-7A64-A88B28251AAD}"/>
+                  <a16:creationId xmlns:a16="http://schemas.microsoft.com/office/drawing/2014/main" xmlns="" id="{F0F45B19-145D-7398-7A64-A88B28251AAD}"/>
                 </a:ext>
               </a:extLst>
             </p:cNvPr>
@@ -1351,7 +1351,7 @@
             <p:cNvPr id="11" name="Straight Connector 10">
               <a:extLst>
                 <a:ext uri="{FF2B5EF4-FFF2-40B4-BE49-F238E27FC236}">
-                  <a16:creationId xmlns:a16="http://schemas.microsoft.com/office/drawing/2014/main" id="{0029EB3C-D7BA-1FCE-3158-8F1116C6F5BE}"/>
+                  <a16:creationId xmlns:a16="http://schemas.microsoft.com/office/drawing/2014/main" xmlns="" id="{0029EB3C-D7BA-1FCE-3158-8F1116C6F5BE}"/>
                 </a:ext>
               </a:extLst>
             </p:cNvPr>
@@ -1395,7 +1395,7 @@
           <p:cNvPr id="12" name="Text Placeholder 10">
             <a:extLst>
               <a:ext uri="{FF2B5EF4-FFF2-40B4-BE49-F238E27FC236}">
-                <a16:creationId xmlns:a16="http://schemas.microsoft.com/office/drawing/2014/main" id="{F8F78388-68BC-0124-C243-36D5B5DC78E6}"/>
+                <a16:creationId xmlns:a16="http://schemas.microsoft.com/office/drawing/2014/main" xmlns="" id="{F8F78388-68BC-0124-C243-36D5B5DC78E6}"/>
               </a:ext>
             </a:extLst>
           </p:cNvPr>
@@ -1472,7 +1472,7 @@
           <p:cNvPr id="13" name="Text Placeholder 10">
             <a:extLst>
               <a:ext uri="{FF2B5EF4-FFF2-40B4-BE49-F238E27FC236}">
-                <a16:creationId xmlns:a16="http://schemas.microsoft.com/office/drawing/2014/main" id="{D7FBEF6F-7749-849E-36C5-CC056F30711F}"/>
+                <a16:creationId xmlns:a16="http://schemas.microsoft.com/office/drawing/2014/main" xmlns="" id="{D7FBEF6F-7749-849E-36C5-CC056F30711F}"/>
               </a:ext>
             </a:extLst>
           </p:cNvPr>
@@ -1549,7 +1549,7 @@
           <p:cNvPr id="14" name="Text Placeholder 13">
             <a:extLst>
               <a:ext uri="{FF2B5EF4-FFF2-40B4-BE49-F238E27FC236}">
-                <a16:creationId xmlns:a16="http://schemas.microsoft.com/office/drawing/2014/main" id="{8A350182-DD59-73E2-C20A-4B5FE6715444}"/>
+                <a16:creationId xmlns:a16="http://schemas.microsoft.com/office/drawing/2014/main" xmlns="" id="{8A350182-DD59-73E2-C20A-4B5FE6715444}"/>
               </a:ext>
             </a:extLst>
           </p:cNvPr>
@@ -1670,7 +1670,7 @@
           <p:cNvPr id="15" name="Text Placeholder 13">
             <a:extLst>
               <a:ext uri="{FF2B5EF4-FFF2-40B4-BE49-F238E27FC236}">
-                <a16:creationId xmlns:a16="http://schemas.microsoft.com/office/drawing/2014/main" id="{5E14A588-A920-9AE0-A268-A008EAF6FCBA}"/>
+                <a16:creationId xmlns:a16="http://schemas.microsoft.com/office/drawing/2014/main" xmlns="" id="{5E14A588-A920-9AE0-A268-A008EAF6FCBA}"/>
               </a:ext>
             </a:extLst>
           </p:cNvPr>
@@ -1832,7 +1832,7 @@
           <p:cNvPr id="6" name="Footer Placeholder 5">
             <a:extLst>
               <a:ext uri="{FF2B5EF4-FFF2-40B4-BE49-F238E27FC236}">
-                <a16:creationId xmlns:a16="http://schemas.microsoft.com/office/drawing/2014/main" id="{DACF6E0F-D722-BAD9-C6AD-9A11DAE47EC0}"/>
+                <a16:creationId xmlns:a16="http://schemas.microsoft.com/office/drawing/2014/main" xmlns="" id="{DACF6E0F-D722-BAD9-C6AD-9A11DAE47EC0}"/>
               </a:ext>
             </a:extLst>
           </p:cNvPr>
@@ -1860,7 +1860,7 @@
           <p:cNvPr id="7" name="Slide Number Placeholder 6">
             <a:extLst>
               <a:ext uri="{FF2B5EF4-FFF2-40B4-BE49-F238E27FC236}">
-                <a16:creationId xmlns:a16="http://schemas.microsoft.com/office/drawing/2014/main" id="{61160B7A-B490-F67E-2740-38CA3A987691}"/>
+                <a16:creationId xmlns:a16="http://schemas.microsoft.com/office/drawing/2014/main" xmlns="" id="{61160B7A-B490-F67E-2740-38CA3A987691}"/>
               </a:ext>
             </a:extLst>
           </p:cNvPr>
@@ -1889,7 +1889,7 @@
           <p:cNvPr id="8" name="Title 1">
             <a:extLst>
               <a:ext uri="{FF2B5EF4-FFF2-40B4-BE49-F238E27FC236}">
-                <a16:creationId xmlns:a16="http://schemas.microsoft.com/office/drawing/2014/main" id="{814A6C9A-83F0-5E94-8A5B-89CB08282C38}"/>
+                <a16:creationId xmlns:a16="http://schemas.microsoft.com/office/drawing/2014/main" xmlns="" id="{814A6C9A-83F0-5E94-8A5B-89CB08282C38}"/>
               </a:ext>
             </a:extLst>
           </p:cNvPr>
@@ -1926,7 +1926,7 @@
           <p:cNvPr id="12" name="Text Placeholder 10">
             <a:extLst>
               <a:ext uri="{FF2B5EF4-FFF2-40B4-BE49-F238E27FC236}">
-                <a16:creationId xmlns:a16="http://schemas.microsoft.com/office/drawing/2014/main" id="{F8F78388-68BC-0124-C243-36D5B5DC78E6}"/>
+                <a16:creationId xmlns:a16="http://schemas.microsoft.com/office/drawing/2014/main" xmlns="" id="{F8F78388-68BC-0124-C243-36D5B5DC78E6}"/>
               </a:ext>
             </a:extLst>
           </p:cNvPr>
@@ -2003,7 +2003,7 @@
           <p:cNvPr id="13" name="Text Placeholder 10">
             <a:extLst>
               <a:ext uri="{FF2B5EF4-FFF2-40B4-BE49-F238E27FC236}">
-                <a16:creationId xmlns:a16="http://schemas.microsoft.com/office/drawing/2014/main" id="{D7FBEF6F-7749-849E-36C5-CC056F30711F}"/>
+                <a16:creationId xmlns:a16="http://schemas.microsoft.com/office/drawing/2014/main" xmlns="" id="{D7FBEF6F-7749-849E-36C5-CC056F30711F}"/>
               </a:ext>
             </a:extLst>
           </p:cNvPr>
@@ -2080,7 +2080,7 @@
           <p:cNvPr id="14" name="Text Placeholder 13">
             <a:extLst>
               <a:ext uri="{FF2B5EF4-FFF2-40B4-BE49-F238E27FC236}">
-                <a16:creationId xmlns:a16="http://schemas.microsoft.com/office/drawing/2014/main" id="{8A350182-DD59-73E2-C20A-4B5FE6715444}"/>
+                <a16:creationId xmlns:a16="http://schemas.microsoft.com/office/drawing/2014/main" xmlns="" id="{8A350182-DD59-73E2-C20A-4B5FE6715444}"/>
               </a:ext>
             </a:extLst>
           </p:cNvPr>
@@ -2201,7 +2201,7 @@
           <p:cNvPr id="15" name="Text Placeholder 13">
             <a:extLst>
               <a:ext uri="{FF2B5EF4-FFF2-40B4-BE49-F238E27FC236}">
-                <a16:creationId xmlns:a16="http://schemas.microsoft.com/office/drawing/2014/main" id="{5E14A588-A920-9AE0-A268-A008EAF6FCBA}"/>
+                <a16:creationId xmlns:a16="http://schemas.microsoft.com/office/drawing/2014/main" xmlns="" id="{5E14A588-A920-9AE0-A268-A008EAF6FCBA}"/>
               </a:ext>
             </a:extLst>
           </p:cNvPr>
@@ -2322,7 +2322,7 @@
           <p:cNvPr id="16" name="Group 15">
             <a:extLst>
               <a:ext uri="{FF2B5EF4-FFF2-40B4-BE49-F238E27FC236}">
-                <a16:creationId xmlns:a16="http://schemas.microsoft.com/office/drawing/2014/main" id="{B8221A12-8B19-605A-2244-2D732269C955}"/>
+                <a16:creationId xmlns:a16="http://schemas.microsoft.com/office/drawing/2014/main" xmlns="" id="{B8221A12-8B19-605A-2244-2D732269C955}"/>
               </a:ext>
             </a:extLst>
           </p:cNvPr>
@@ -2342,7 +2342,7 @@
             <p:cNvPr id="17" name="Straight Connector 16">
               <a:extLst>
                 <a:ext uri="{FF2B5EF4-FFF2-40B4-BE49-F238E27FC236}">
-                  <a16:creationId xmlns:a16="http://schemas.microsoft.com/office/drawing/2014/main" id="{A86C500B-5A93-298F-7CEF-ED445452E460}"/>
+                  <a16:creationId xmlns:a16="http://schemas.microsoft.com/office/drawing/2014/main" xmlns="" id="{A86C500B-5A93-298F-7CEF-ED445452E460}"/>
                 </a:ext>
               </a:extLst>
             </p:cNvPr>
@@ -2385,7 +2385,7 @@
             <p:cNvPr id="18" name="Straight Connector 17">
               <a:extLst>
                 <a:ext uri="{FF2B5EF4-FFF2-40B4-BE49-F238E27FC236}">
-                  <a16:creationId xmlns:a16="http://schemas.microsoft.com/office/drawing/2014/main" id="{D7A559BC-EF4A-29D4-CF56-6425516A5D91}"/>
+                  <a16:creationId xmlns:a16="http://schemas.microsoft.com/office/drawing/2014/main" xmlns="" id="{D7A559BC-EF4A-29D4-CF56-6425516A5D91}"/>
                 </a:ext>
               </a:extLst>
             </p:cNvPr>
@@ -2429,7 +2429,7 @@
           <p:cNvPr id="19" name="Text Placeholder 10">
             <a:extLst>
               <a:ext uri="{FF2B5EF4-FFF2-40B4-BE49-F238E27FC236}">
-                <a16:creationId xmlns:a16="http://schemas.microsoft.com/office/drawing/2014/main" id="{D2D34186-8505-57AE-F518-0C83BF1C06C9}"/>
+                <a16:creationId xmlns:a16="http://schemas.microsoft.com/office/drawing/2014/main" xmlns="" id="{D2D34186-8505-57AE-F518-0C83BF1C06C9}"/>
               </a:ext>
             </a:extLst>
           </p:cNvPr>
@@ -2506,7 +2506,7 @@
           <p:cNvPr id="20" name="Text Placeholder 13">
             <a:extLst>
               <a:ext uri="{FF2B5EF4-FFF2-40B4-BE49-F238E27FC236}">
-                <a16:creationId xmlns:a16="http://schemas.microsoft.com/office/drawing/2014/main" id="{ABE767DA-9D93-94AD-D34D-2B8A51A76645}"/>
+                <a16:creationId xmlns:a16="http://schemas.microsoft.com/office/drawing/2014/main" xmlns="" id="{ABE767DA-9D93-94AD-D34D-2B8A51A76645}"/>
               </a:ext>
             </a:extLst>
           </p:cNvPr>
@@ -2665,7 +2665,7 @@
           <p:cNvPr id="6" name="Rectangle 5">
             <a:extLst>
               <a:ext uri="{FF2B5EF4-FFF2-40B4-BE49-F238E27FC236}">
-                <a16:creationId xmlns:a16="http://schemas.microsoft.com/office/drawing/2014/main" id="{5AE86B75-C16C-C033-D27D-FF84EFB71131}"/>
+                <a16:creationId xmlns:a16="http://schemas.microsoft.com/office/drawing/2014/main" xmlns="" id="{5AE86B75-C16C-C033-D27D-FF84EFB71131}"/>
               </a:ext>
             </a:extLst>
           </p:cNvPr>
@@ -2717,7 +2717,7 @@
           <p:cNvPr id="2" name="Title 1">
             <a:extLst>
               <a:ext uri="{FF2B5EF4-FFF2-40B4-BE49-F238E27FC236}">
-                <a16:creationId xmlns:a16="http://schemas.microsoft.com/office/drawing/2014/main" id="{CE31443F-EAC2-06D1-A3D1-D73510EAF2A3}"/>
+                <a16:creationId xmlns:a16="http://schemas.microsoft.com/office/drawing/2014/main" xmlns="" id="{CE31443F-EAC2-06D1-A3D1-D73510EAF2A3}"/>
               </a:ext>
             </a:extLst>
           </p:cNvPr>
@@ -2761,7 +2761,7 @@
           <p:cNvPr id="7" name="Group 6">
             <a:extLst>
               <a:ext uri="{FF2B5EF4-FFF2-40B4-BE49-F238E27FC236}">
-                <a16:creationId xmlns:a16="http://schemas.microsoft.com/office/drawing/2014/main" id="{D80535FC-1B0E-C4EB-FE55-190522219FEA}"/>
+                <a16:creationId xmlns:a16="http://schemas.microsoft.com/office/drawing/2014/main" xmlns="" id="{D80535FC-1B0E-C4EB-FE55-190522219FEA}"/>
               </a:ext>
             </a:extLst>
           </p:cNvPr>
@@ -2781,7 +2781,7 @@
             <p:cNvPr id="8" name="Straight Connector 7">
               <a:extLst>
                 <a:ext uri="{FF2B5EF4-FFF2-40B4-BE49-F238E27FC236}">
-                  <a16:creationId xmlns:a16="http://schemas.microsoft.com/office/drawing/2014/main" id="{9CA6B206-18E0-06D2-958F-E859A1428A57}"/>
+                  <a16:creationId xmlns:a16="http://schemas.microsoft.com/office/drawing/2014/main" xmlns="" id="{9CA6B206-18E0-06D2-958F-E859A1428A57}"/>
                 </a:ext>
               </a:extLst>
             </p:cNvPr>
@@ -2824,7 +2824,7 @@
             <p:cNvPr id="9" name="Straight Connector 8">
               <a:extLst>
                 <a:ext uri="{FF2B5EF4-FFF2-40B4-BE49-F238E27FC236}">
-                  <a16:creationId xmlns:a16="http://schemas.microsoft.com/office/drawing/2014/main" id="{0447EEA7-F856-F6C0-18DD-5D37FD51D45B}"/>
+                  <a16:creationId xmlns:a16="http://schemas.microsoft.com/office/drawing/2014/main" xmlns="" id="{0447EEA7-F856-F6C0-18DD-5D37FD51D45B}"/>
                 </a:ext>
               </a:extLst>
             </p:cNvPr>
@@ -2868,7 +2868,7 @@
           <p:cNvPr id="11" name="Text Placeholder 10">
             <a:extLst>
               <a:ext uri="{FF2B5EF4-FFF2-40B4-BE49-F238E27FC236}">
-                <a16:creationId xmlns:a16="http://schemas.microsoft.com/office/drawing/2014/main" id="{A9C909AE-4D54-F197-103E-29E9C2597F56}"/>
+                <a16:creationId xmlns:a16="http://schemas.microsoft.com/office/drawing/2014/main" xmlns="" id="{A9C909AE-4D54-F197-103E-29E9C2597F56}"/>
               </a:ext>
             </a:extLst>
           </p:cNvPr>
@@ -2989,7 +2989,7 @@
           <p:cNvPr id="4" name="Footer Placeholder 3">
             <a:extLst>
               <a:ext uri="{FF2B5EF4-FFF2-40B4-BE49-F238E27FC236}">
-                <a16:creationId xmlns:a16="http://schemas.microsoft.com/office/drawing/2014/main" id="{D74C5F1F-F8B7-6C5F-6A7F-5F8F6128A1C8}"/>
+                <a16:creationId xmlns:a16="http://schemas.microsoft.com/office/drawing/2014/main" xmlns="" id="{D74C5F1F-F8B7-6C5F-6A7F-5F8F6128A1C8}"/>
               </a:ext>
             </a:extLst>
           </p:cNvPr>
@@ -3017,7 +3017,7 @@
           <p:cNvPr id="5" name="Slide Number Placeholder 4">
             <a:extLst>
               <a:ext uri="{FF2B5EF4-FFF2-40B4-BE49-F238E27FC236}">
-                <a16:creationId xmlns:a16="http://schemas.microsoft.com/office/drawing/2014/main" id="{EFD9287E-E726-E0E6-2871-FE77159B5E01}"/>
+                <a16:creationId xmlns:a16="http://schemas.microsoft.com/office/drawing/2014/main" xmlns="" id="{EFD9287E-E726-E0E6-2871-FE77159B5E01}"/>
               </a:ext>
             </a:extLst>
           </p:cNvPr>
@@ -3046,7 +3046,7 @@
           <p:cNvPr id="6" name="Title 5">
             <a:extLst>
               <a:ext uri="{FF2B5EF4-FFF2-40B4-BE49-F238E27FC236}">
-                <a16:creationId xmlns:a16="http://schemas.microsoft.com/office/drawing/2014/main" id="{160592E8-155C-36FA-DA0A-52B23CE8AF5A}"/>
+                <a16:creationId xmlns:a16="http://schemas.microsoft.com/office/drawing/2014/main" xmlns="" id="{160592E8-155C-36FA-DA0A-52B23CE8AF5A}"/>
               </a:ext>
             </a:extLst>
           </p:cNvPr>
@@ -3104,7 +3104,7 @@
           <p:cNvPr id="3" name="Footer Placeholder 2">
             <a:extLst>
               <a:ext uri="{FF2B5EF4-FFF2-40B4-BE49-F238E27FC236}">
-                <a16:creationId xmlns:a16="http://schemas.microsoft.com/office/drawing/2014/main" id="{7F1F3471-B7F6-01DB-D712-136C1626DFAE}"/>
+                <a16:creationId xmlns:a16="http://schemas.microsoft.com/office/drawing/2014/main" xmlns="" id="{7F1F3471-B7F6-01DB-D712-136C1626DFAE}"/>
               </a:ext>
             </a:extLst>
           </p:cNvPr>
@@ -3132,7 +3132,7 @@
           <p:cNvPr id="4" name="Slide Number Placeholder 3">
             <a:extLst>
               <a:ext uri="{FF2B5EF4-FFF2-40B4-BE49-F238E27FC236}">
-                <a16:creationId xmlns:a16="http://schemas.microsoft.com/office/drawing/2014/main" id="{32C05956-4CA5-988F-7C93-317A88D1202C}"/>
+                <a16:creationId xmlns:a16="http://schemas.microsoft.com/office/drawing/2014/main" xmlns="" id="{32C05956-4CA5-988F-7C93-317A88D1202C}"/>
               </a:ext>
             </a:extLst>
           </p:cNvPr>
@@ -3191,7 +3191,7 @@
           <p:cNvPr id="2" name="Title 1">
             <a:extLst>
               <a:ext uri="{FF2B5EF4-FFF2-40B4-BE49-F238E27FC236}">
-                <a16:creationId xmlns:a16="http://schemas.microsoft.com/office/drawing/2014/main" id="{9EAB670E-478C-D301-FCE5-E83002469725}"/>
+                <a16:creationId xmlns:a16="http://schemas.microsoft.com/office/drawing/2014/main" xmlns="" id="{9EAB670E-478C-D301-FCE5-E83002469725}"/>
               </a:ext>
             </a:extLst>
           </p:cNvPr>
@@ -3228,7 +3228,7 @@
           <p:cNvPr id="3" name="Content Placeholder 2">
             <a:extLst>
               <a:ext uri="{FF2B5EF4-FFF2-40B4-BE49-F238E27FC236}">
-                <a16:creationId xmlns:a16="http://schemas.microsoft.com/office/drawing/2014/main" id="{283B16CD-30BD-156F-11B4-9CF89A064227}"/>
+                <a16:creationId xmlns:a16="http://schemas.microsoft.com/office/drawing/2014/main" xmlns="" id="{283B16CD-30BD-156F-11B4-9CF89A064227}"/>
               </a:ext>
             </a:extLst>
           </p:cNvPr>
@@ -3318,7 +3318,7 @@
           <p:cNvPr id="4" name="Text Placeholder 3">
             <a:extLst>
               <a:ext uri="{FF2B5EF4-FFF2-40B4-BE49-F238E27FC236}">
-                <a16:creationId xmlns:a16="http://schemas.microsoft.com/office/drawing/2014/main" id="{0E3C54B0-9878-1911-8DE9-EC464D2027EF}"/>
+                <a16:creationId xmlns:a16="http://schemas.microsoft.com/office/drawing/2014/main" xmlns="" id="{0E3C54B0-9878-1911-8DE9-EC464D2027EF}"/>
               </a:ext>
             </a:extLst>
           </p:cNvPr>
@@ -3389,7 +3389,7 @@
           <p:cNvPr id="6" name="Footer Placeholder 5">
             <a:extLst>
               <a:ext uri="{FF2B5EF4-FFF2-40B4-BE49-F238E27FC236}">
-                <a16:creationId xmlns:a16="http://schemas.microsoft.com/office/drawing/2014/main" id="{A697EEE8-8F1E-8F14-E2ED-333A1FF24725}"/>
+                <a16:creationId xmlns:a16="http://schemas.microsoft.com/office/drawing/2014/main" xmlns="" id="{A697EEE8-8F1E-8F14-E2ED-333A1FF24725}"/>
               </a:ext>
             </a:extLst>
           </p:cNvPr>
@@ -3417,7 +3417,7 @@
           <p:cNvPr id="7" name="Slide Number Placeholder 6">
             <a:extLst>
               <a:ext uri="{FF2B5EF4-FFF2-40B4-BE49-F238E27FC236}">
-                <a16:creationId xmlns:a16="http://schemas.microsoft.com/office/drawing/2014/main" id="{B9DFABEB-B6B7-2591-AE85-265A3F873192}"/>
+                <a16:creationId xmlns:a16="http://schemas.microsoft.com/office/drawing/2014/main" xmlns="" id="{B9DFABEB-B6B7-2591-AE85-265A3F873192}"/>
               </a:ext>
             </a:extLst>
           </p:cNvPr>
@@ -3476,7 +3476,7 @@
           <p:cNvPr id="2" name="Title 1">
             <a:extLst>
               <a:ext uri="{FF2B5EF4-FFF2-40B4-BE49-F238E27FC236}">
-                <a16:creationId xmlns:a16="http://schemas.microsoft.com/office/drawing/2014/main" id="{23E52A6A-C17E-2616-3199-C8D78E7EE7EC}"/>
+                <a16:creationId xmlns:a16="http://schemas.microsoft.com/office/drawing/2014/main" xmlns="" id="{23E52A6A-C17E-2616-3199-C8D78E7EE7EC}"/>
               </a:ext>
             </a:extLst>
           </p:cNvPr>
@@ -3513,7 +3513,7 @@
           <p:cNvPr id="3" name="Picture Placeholder 2">
             <a:extLst>
               <a:ext uri="{FF2B5EF4-FFF2-40B4-BE49-F238E27FC236}">
-                <a16:creationId xmlns:a16="http://schemas.microsoft.com/office/drawing/2014/main" id="{37705714-E101-08DD-6A13-D561A3EC2C8F}"/>
+                <a16:creationId xmlns:a16="http://schemas.microsoft.com/office/drawing/2014/main" xmlns="" id="{37705714-E101-08DD-6A13-D561A3EC2C8F}"/>
               </a:ext>
             </a:extLst>
           </p:cNvPr>
@@ -3583,7 +3583,7 @@
           <p:cNvPr id="4" name="Text Placeholder 3">
             <a:extLst>
               <a:ext uri="{FF2B5EF4-FFF2-40B4-BE49-F238E27FC236}">
-                <a16:creationId xmlns:a16="http://schemas.microsoft.com/office/drawing/2014/main" id="{B16ECB26-D659-5BC3-C669-1B45225D27D2}"/>
+                <a16:creationId xmlns:a16="http://schemas.microsoft.com/office/drawing/2014/main" xmlns="" id="{B16ECB26-D659-5BC3-C669-1B45225D27D2}"/>
               </a:ext>
             </a:extLst>
           </p:cNvPr>
@@ -3654,7 +3654,7 @@
           <p:cNvPr id="6" name="Footer Placeholder 5">
             <a:extLst>
               <a:ext uri="{FF2B5EF4-FFF2-40B4-BE49-F238E27FC236}">
-                <a16:creationId xmlns:a16="http://schemas.microsoft.com/office/drawing/2014/main" id="{1BC595AB-D292-D355-47CD-748C160B1BD3}"/>
+                <a16:creationId xmlns:a16="http://schemas.microsoft.com/office/drawing/2014/main" xmlns="" id="{1BC595AB-D292-D355-47CD-748C160B1BD3}"/>
               </a:ext>
             </a:extLst>
           </p:cNvPr>
@@ -3682,7 +3682,7 @@
           <p:cNvPr id="7" name="Slide Number Placeholder 6">
             <a:extLst>
               <a:ext uri="{FF2B5EF4-FFF2-40B4-BE49-F238E27FC236}">
-                <a16:creationId xmlns:a16="http://schemas.microsoft.com/office/drawing/2014/main" id="{CC1CEE5F-F44A-DD2C-EEC3-D4C76B69D15D}"/>
+                <a16:creationId xmlns:a16="http://schemas.microsoft.com/office/drawing/2014/main" xmlns="" id="{CC1CEE5F-F44A-DD2C-EEC3-D4C76B69D15D}"/>
               </a:ext>
             </a:extLst>
           </p:cNvPr>
@@ -3752,7 +3752,7 @@
           <p:cNvPr id="2" name="Title 1">
             <a:extLst>
               <a:ext uri="{FF2B5EF4-FFF2-40B4-BE49-F238E27FC236}">
-                <a16:creationId xmlns:a16="http://schemas.microsoft.com/office/drawing/2014/main" id="{63703BBE-23DC-E951-32B6-0E91B8089184}"/>
+                <a16:creationId xmlns:a16="http://schemas.microsoft.com/office/drawing/2014/main" xmlns="" id="{63703BBE-23DC-E951-32B6-0E91B8089184}"/>
               </a:ext>
             </a:extLst>
           </p:cNvPr>
@@ -3789,7 +3789,7 @@
           <p:cNvPr id="3" name="Content Placeholder 2">
             <a:extLst>
               <a:ext uri="{FF2B5EF4-FFF2-40B4-BE49-F238E27FC236}">
-                <a16:creationId xmlns:a16="http://schemas.microsoft.com/office/drawing/2014/main" id="{4110836A-7452-872A-28D0-081C1338DC63}"/>
+                <a16:creationId xmlns:a16="http://schemas.microsoft.com/office/drawing/2014/main" xmlns="" id="{4110836A-7452-872A-28D0-081C1338DC63}"/>
               </a:ext>
             </a:extLst>
           </p:cNvPr>
@@ -3861,7 +3861,7 @@
           <p:cNvPr id="5" name="Footer Placeholder 4">
             <a:extLst>
               <a:ext uri="{FF2B5EF4-FFF2-40B4-BE49-F238E27FC236}">
-                <a16:creationId xmlns:a16="http://schemas.microsoft.com/office/drawing/2014/main" id="{35E39F35-2573-69E0-B17D-B4B0F85CE77B}"/>
+                <a16:creationId xmlns:a16="http://schemas.microsoft.com/office/drawing/2014/main" xmlns="" id="{35E39F35-2573-69E0-B17D-B4B0F85CE77B}"/>
               </a:ext>
             </a:extLst>
           </p:cNvPr>
@@ -3889,7 +3889,7 @@
           <p:cNvPr id="6" name="Slide Number Placeholder 5">
             <a:extLst>
               <a:ext uri="{FF2B5EF4-FFF2-40B4-BE49-F238E27FC236}">
-                <a16:creationId xmlns:a16="http://schemas.microsoft.com/office/drawing/2014/main" id="{35B5CE41-241D-72CD-1C8F-006A477B5301}"/>
+                <a16:creationId xmlns:a16="http://schemas.microsoft.com/office/drawing/2014/main" xmlns="" id="{35B5CE41-241D-72CD-1C8F-006A477B5301}"/>
               </a:ext>
             </a:extLst>
           </p:cNvPr>
@@ -3918,7 +3918,7 @@
           <p:cNvPr id="7" name="Group 6">
             <a:extLst>
               <a:ext uri="{FF2B5EF4-FFF2-40B4-BE49-F238E27FC236}">
-                <a16:creationId xmlns:a16="http://schemas.microsoft.com/office/drawing/2014/main" id="{52789DD7-8E5F-BCF6-7A1E-0AC33BD880AC}"/>
+                <a16:creationId xmlns:a16="http://schemas.microsoft.com/office/drawing/2014/main" xmlns="" id="{52789DD7-8E5F-BCF6-7A1E-0AC33BD880AC}"/>
               </a:ext>
             </a:extLst>
           </p:cNvPr>
@@ -3938,7 +3938,7 @@
             <p:cNvPr id="8" name="Straight Connector 7">
               <a:extLst>
                 <a:ext uri="{FF2B5EF4-FFF2-40B4-BE49-F238E27FC236}">
-                  <a16:creationId xmlns:a16="http://schemas.microsoft.com/office/drawing/2014/main" id="{D610F86C-F479-AC03-216E-DD60112AC854}"/>
+                  <a16:creationId xmlns:a16="http://schemas.microsoft.com/office/drawing/2014/main" xmlns="" id="{D610F86C-F479-AC03-216E-DD60112AC854}"/>
                 </a:ext>
               </a:extLst>
             </p:cNvPr>
@@ -3981,7 +3981,7 @@
             <p:cNvPr id="9" name="Straight Connector 8">
               <a:extLst>
                 <a:ext uri="{FF2B5EF4-FFF2-40B4-BE49-F238E27FC236}">
-                  <a16:creationId xmlns:a16="http://schemas.microsoft.com/office/drawing/2014/main" id="{0A02E8F6-3623-48C2-4F02-9472E2977FB8}"/>
+                  <a16:creationId xmlns:a16="http://schemas.microsoft.com/office/drawing/2014/main" xmlns="" id="{0A02E8F6-3623-48C2-4F02-9472E2977FB8}"/>
                 </a:ext>
               </a:extLst>
             </p:cNvPr>
@@ -4063,7 +4063,7 @@
           <p:cNvPr id="2" name="Title 1">
             <a:extLst>
               <a:ext uri="{FF2B5EF4-FFF2-40B4-BE49-F238E27FC236}">
-                <a16:creationId xmlns:a16="http://schemas.microsoft.com/office/drawing/2014/main" id="{A9F39D39-DAD0-D550-D3C7-42F702A78C3A}"/>
+                <a16:creationId xmlns:a16="http://schemas.microsoft.com/office/drawing/2014/main" xmlns="" id="{A9F39D39-DAD0-D550-D3C7-42F702A78C3A}"/>
               </a:ext>
             </a:extLst>
           </p:cNvPr>
@@ -4096,7 +4096,7 @@
               <a:rPr lang="en-US"/>
               <a:t>Click to edit Master title style</a:t>
             </a:r>
-            <a:endParaRPr lang="en-PK" dirty="0"/>
+            <a:endParaRPr lang="x-none" dirty="0"/>
           </a:p>
         </p:txBody>
       </p:sp>
@@ -4105,7 +4105,7 @@
           <p:cNvPr id="3" name="Text Placeholder 2">
             <a:extLst>
               <a:ext uri="{FF2B5EF4-FFF2-40B4-BE49-F238E27FC236}">
-                <a16:creationId xmlns:a16="http://schemas.microsoft.com/office/drawing/2014/main" id="{8E054DFA-4C17-2AA0-0E19-8D452B73AA20}"/>
+                <a16:creationId xmlns:a16="http://schemas.microsoft.com/office/drawing/2014/main" xmlns="" id="{8E054DFA-4C17-2AA0-0E19-8D452B73AA20}"/>
               </a:ext>
             </a:extLst>
           </p:cNvPr>
@@ -4228,7 +4228,7 @@
           <p:cNvPr id="7" name="Group 6">
             <a:extLst>
               <a:ext uri="{FF2B5EF4-FFF2-40B4-BE49-F238E27FC236}">
-                <a16:creationId xmlns:a16="http://schemas.microsoft.com/office/drawing/2014/main" id="{AF8D5DED-A875-4BFE-015E-C29679EC468C}"/>
+                <a16:creationId xmlns:a16="http://schemas.microsoft.com/office/drawing/2014/main" xmlns="" id="{AF8D5DED-A875-4BFE-015E-C29679EC468C}"/>
               </a:ext>
             </a:extLst>
           </p:cNvPr>
@@ -4248,7 +4248,7 @@
             <p:cNvPr id="8" name="Straight Connector 7">
               <a:extLst>
                 <a:ext uri="{FF2B5EF4-FFF2-40B4-BE49-F238E27FC236}">
-                  <a16:creationId xmlns:a16="http://schemas.microsoft.com/office/drawing/2014/main" id="{4ED54A14-B37E-AA5D-2F7D-4530DEF3C347}"/>
+                  <a16:creationId xmlns:a16="http://schemas.microsoft.com/office/drawing/2014/main" xmlns="" id="{4ED54A14-B37E-AA5D-2F7D-4530DEF3C347}"/>
                 </a:ext>
               </a:extLst>
             </p:cNvPr>
@@ -4291,7 +4291,7 @@
             <p:cNvPr id="9" name="Straight Connector 8">
               <a:extLst>
                 <a:ext uri="{FF2B5EF4-FFF2-40B4-BE49-F238E27FC236}">
-                  <a16:creationId xmlns:a16="http://schemas.microsoft.com/office/drawing/2014/main" id="{8611F7DB-0F8D-8E5A-0137-AD5E5B20C351}"/>
+                  <a16:creationId xmlns:a16="http://schemas.microsoft.com/office/drawing/2014/main" xmlns="" id="{8611F7DB-0F8D-8E5A-0137-AD5E5B20C351}"/>
                 </a:ext>
               </a:extLst>
             </p:cNvPr>
@@ -4373,7 +4373,7 @@
           <p:cNvPr id="4" name="Footer Placeholder 3">
             <a:extLst>
               <a:ext uri="{FF2B5EF4-FFF2-40B4-BE49-F238E27FC236}">
-                <a16:creationId xmlns:a16="http://schemas.microsoft.com/office/drawing/2014/main" id="{BA0C7E2C-83B2-58E9-DE90-AB1857F1A170}"/>
+                <a16:creationId xmlns:a16="http://schemas.microsoft.com/office/drawing/2014/main" xmlns="" id="{BA0C7E2C-83B2-58E9-DE90-AB1857F1A170}"/>
               </a:ext>
             </a:extLst>
           </p:cNvPr>
@@ -4401,7 +4401,7 @@
           <p:cNvPr id="5" name="Slide Number Placeholder 4">
             <a:extLst>
               <a:ext uri="{FF2B5EF4-FFF2-40B4-BE49-F238E27FC236}">
-                <a16:creationId xmlns:a16="http://schemas.microsoft.com/office/drawing/2014/main" id="{F487B4A1-AE7C-A6CC-7143-5EC918D662F7}"/>
+                <a16:creationId xmlns:a16="http://schemas.microsoft.com/office/drawing/2014/main" xmlns="" id="{F487B4A1-AE7C-A6CC-7143-5EC918D662F7}"/>
               </a:ext>
             </a:extLst>
           </p:cNvPr>
@@ -4431,7 +4431,7 @@
           <p:cNvPr id="6" name="Rectangle 5">
             <a:extLst>
               <a:ext uri="{FF2B5EF4-FFF2-40B4-BE49-F238E27FC236}">
-                <a16:creationId xmlns:a16="http://schemas.microsoft.com/office/drawing/2014/main" id="{D62C33EA-A741-FA13-451C-6F35902CBDD0}"/>
+                <a16:creationId xmlns:a16="http://schemas.microsoft.com/office/drawing/2014/main" xmlns="" id="{D62C33EA-A741-FA13-451C-6F35902CBDD0}"/>
               </a:ext>
             </a:extLst>
           </p:cNvPr>
@@ -4483,7 +4483,7 @@
           <p:cNvPr id="7" name="Straight Connector 6">
             <a:extLst>
               <a:ext uri="{FF2B5EF4-FFF2-40B4-BE49-F238E27FC236}">
-                <a16:creationId xmlns:a16="http://schemas.microsoft.com/office/drawing/2014/main" id="{01882412-D2D4-9CF0-CD39-2EAE79B8A310}"/>
+                <a16:creationId xmlns:a16="http://schemas.microsoft.com/office/drawing/2014/main" xmlns="" id="{01882412-D2D4-9CF0-CD39-2EAE79B8A310}"/>
               </a:ext>
             </a:extLst>
           </p:cNvPr>
@@ -4526,7 +4526,7 @@
           <p:cNvPr id="8" name="Straight Connector 7">
             <a:extLst>
               <a:ext uri="{FF2B5EF4-FFF2-40B4-BE49-F238E27FC236}">
-                <a16:creationId xmlns:a16="http://schemas.microsoft.com/office/drawing/2014/main" id="{F229B6F2-011B-853F-5BA1-FA1722B6E1C8}"/>
+                <a16:creationId xmlns:a16="http://schemas.microsoft.com/office/drawing/2014/main" xmlns="" id="{F229B6F2-011B-853F-5BA1-FA1722B6E1C8}"/>
               </a:ext>
             </a:extLst>
           </p:cNvPr>
@@ -4569,7 +4569,7 @@
           <p:cNvPr id="9" name="Title 8">
             <a:extLst>
               <a:ext uri="{FF2B5EF4-FFF2-40B4-BE49-F238E27FC236}">
-                <a16:creationId xmlns:a16="http://schemas.microsoft.com/office/drawing/2014/main" id="{A78715BA-7A66-D464-AAEF-141988B8718B}"/>
+                <a16:creationId xmlns:a16="http://schemas.microsoft.com/office/drawing/2014/main" xmlns="" id="{A78715BA-7A66-D464-AAEF-141988B8718B}"/>
               </a:ext>
             </a:extLst>
           </p:cNvPr>
@@ -4610,7 +4610,7 @@
           <p:cNvPr id="11" name="Text Placeholder 10">
             <a:extLst>
               <a:ext uri="{FF2B5EF4-FFF2-40B4-BE49-F238E27FC236}">
-                <a16:creationId xmlns:a16="http://schemas.microsoft.com/office/drawing/2014/main" id="{3D0BF4BF-3C7C-C67F-B6EE-805EC95EF8CA}"/>
+                <a16:creationId xmlns:a16="http://schemas.microsoft.com/office/drawing/2014/main" xmlns="" id="{3D0BF4BF-3C7C-C67F-B6EE-805EC95EF8CA}"/>
               </a:ext>
             </a:extLst>
           </p:cNvPr>
@@ -4687,7 +4687,7 @@
           <p:cNvPr id="12" name="Text Placeholder 10">
             <a:extLst>
               <a:ext uri="{FF2B5EF4-FFF2-40B4-BE49-F238E27FC236}">
-                <a16:creationId xmlns:a16="http://schemas.microsoft.com/office/drawing/2014/main" id="{BA37E40B-957E-C00E-3B34-1B67D341A771}"/>
+                <a16:creationId xmlns:a16="http://schemas.microsoft.com/office/drawing/2014/main" xmlns="" id="{BA37E40B-957E-C00E-3B34-1B67D341A771}"/>
               </a:ext>
             </a:extLst>
           </p:cNvPr>
@@ -4764,7 +4764,7 @@
           <p:cNvPr id="14" name="Text Placeholder 13">
             <a:extLst>
               <a:ext uri="{FF2B5EF4-FFF2-40B4-BE49-F238E27FC236}">
-                <a16:creationId xmlns:a16="http://schemas.microsoft.com/office/drawing/2014/main" id="{EF15CD76-2DD5-DB8A-37D3-6098A50870D0}"/>
+                <a16:creationId xmlns:a16="http://schemas.microsoft.com/office/drawing/2014/main" xmlns="" id="{EF15CD76-2DD5-DB8A-37D3-6098A50870D0}"/>
               </a:ext>
             </a:extLst>
           </p:cNvPr>
@@ -4892,7 +4892,7 @@
           <p:cNvPr id="15" name="Text Placeholder 13">
             <a:extLst>
               <a:ext uri="{FF2B5EF4-FFF2-40B4-BE49-F238E27FC236}">
-                <a16:creationId xmlns:a16="http://schemas.microsoft.com/office/drawing/2014/main" id="{57A044E0-660B-4002-E13C-F00498E49782}"/>
+                <a16:creationId xmlns:a16="http://schemas.microsoft.com/office/drawing/2014/main" xmlns="" id="{57A044E0-660B-4002-E13C-F00498E49782}"/>
               </a:ext>
             </a:extLst>
           </p:cNvPr>
@@ -5058,7 +5058,7 @@
           <p:cNvPr id="4" name="Footer Placeholder 3">
             <a:extLst>
               <a:ext uri="{FF2B5EF4-FFF2-40B4-BE49-F238E27FC236}">
-                <a16:creationId xmlns:a16="http://schemas.microsoft.com/office/drawing/2014/main" id="{BA0C7E2C-83B2-58E9-DE90-AB1857F1A170}"/>
+                <a16:creationId xmlns:a16="http://schemas.microsoft.com/office/drawing/2014/main" xmlns="" id="{BA0C7E2C-83B2-58E9-DE90-AB1857F1A170}"/>
               </a:ext>
             </a:extLst>
           </p:cNvPr>
@@ -5086,7 +5086,7 @@
           <p:cNvPr id="5" name="Slide Number Placeholder 4">
             <a:extLst>
               <a:ext uri="{FF2B5EF4-FFF2-40B4-BE49-F238E27FC236}">
-                <a16:creationId xmlns:a16="http://schemas.microsoft.com/office/drawing/2014/main" id="{F487B4A1-AE7C-A6CC-7143-5EC918D662F7}"/>
+                <a16:creationId xmlns:a16="http://schemas.microsoft.com/office/drawing/2014/main" xmlns="" id="{F487B4A1-AE7C-A6CC-7143-5EC918D662F7}"/>
               </a:ext>
             </a:extLst>
           </p:cNvPr>
@@ -5116,7 +5116,7 @@
           <p:cNvPr id="6" name="Rectangle 5">
             <a:extLst>
               <a:ext uri="{FF2B5EF4-FFF2-40B4-BE49-F238E27FC236}">
-                <a16:creationId xmlns:a16="http://schemas.microsoft.com/office/drawing/2014/main" id="{D62C33EA-A741-FA13-451C-6F35902CBDD0}"/>
+                <a16:creationId xmlns:a16="http://schemas.microsoft.com/office/drawing/2014/main" xmlns="" id="{D62C33EA-A741-FA13-451C-6F35902CBDD0}"/>
               </a:ext>
             </a:extLst>
           </p:cNvPr>
@@ -5168,7 +5168,7 @@
           <p:cNvPr id="9" name="Title 8">
             <a:extLst>
               <a:ext uri="{FF2B5EF4-FFF2-40B4-BE49-F238E27FC236}">
-                <a16:creationId xmlns:a16="http://schemas.microsoft.com/office/drawing/2014/main" id="{A78715BA-7A66-D464-AAEF-141988B8718B}"/>
+                <a16:creationId xmlns:a16="http://schemas.microsoft.com/office/drawing/2014/main" xmlns="" id="{A78715BA-7A66-D464-AAEF-141988B8718B}"/>
               </a:ext>
             </a:extLst>
           </p:cNvPr>
@@ -5209,7 +5209,7 @@
           <p:cNvPr id="11" name="Text Placeholder 10">
             <a:extLst>
               <a:ext uri="{FF2B5EF4-FFF2-40B4-BE49-F238E27FC236}">
-                <a16:creationId xmlns:a16="http://schemas.microsoft.com/office/drawing/2014/main" id="{3D0BF4BF-3C7C-C67F-B6EE-805EC95EF8CA}"/>
+                <a16:creationId xmlns:a16="http://schemas.microsoft.com/office/drawing/2014/main" xmlns="" id="{3D0BF4BF-3C7C-C67F-B6EE-805EC95EF8CA}"/>
               </a:ext>
             </a:extLst>
           </p:cNvPr>
@@ -5286,7 +5286,7 @@
           <p:cNvPr id="12" name="Text Placeholder 10">
             <a:extLst>
               <a:ext uri="{FF2B5EF4-FFF2-40B4-BE49-F238E27FC236}">
-                <a16:creationId xmlns:a16="http://schemas.microsoft.com/office/drawing/2014/main" id="{BA37E40B-957E-C00E-3B34-1B67D341A771}"/>
+                <a16:creationId xmlns:a16="http://schemas.microsoft.com/office/drawing/2014/main" xmlns="" id="{BA37E40B-957E-C00E-3B34-1B67D341A771}"/>
               </a:ext>
             </a:extLst>
           </p:cNvPr>
@@ -5363,7 +5363,7 @@
           <p:cNvPr id="14" name="Text Placeholder 13">
             <a:extLst>
               <a:ext uri="{FF2B5EF4-FFF2-40B4-BE49-F238E27FC236}">
-                <a16:creationId xmlns:a16="http://schemas.microsoft.com/office/drawing/2014/main" id="{EF15CD76-2DD5-DB8A-37D3-6098A50870D0}"/>
+                <a16:creationId xmlns:a16="http://schemas.microsoft.com/office/drawing/2014/main" xmlns="" id="{EF15CD76-2DD5-DB8A-37D3-6098A50870D0}"/>
               </a:ext>
             </a:extLst>
           </p:cNvPr>
@@ -5491,7 +5491,7 @@
           <p:cNvPr id="15" name="Text Placeholder 13">
             <a:extLst>
               <a:ext uri="{FF2B5EF4-FFF2-40B4-BE49-F238E27FC236}">
-                <a16:creationId xmlns:a16="http://schemas.microsoft.com/office/drawing/2014/main" id="{57A044E0-660B-4002-E13C-F00498E49782}"/>
+                <a16:creationId xmlns:a16="http://schemas.microsoft.com/office/drawing/2014/main" xmlns="" id="{57A044E0-660B-4002-E13C-F00498E49782}"/>
               </a:ext>
             </a:extLst>
           </p:cNvPr>
@@ -5619,7 +5619,7 @@
           <p:cNvPr id="13" name="Group 12">
             <a:extLst>
               <a:ext uri="{FF2B5EF4-FFF2-40B4-BE49-F238E27FC236}">
-                <a16:creationId xmlns:a16="http://schemas.microsoft.com/office/drawing/2014/main" id="{4ED40495-D9DB-AA87-4474-68DA5D8CA88C}"/>
+                <a16:creationId xmlns:a16="http://schemas.microsoft.com/office/drawing/2014/main" xmlns="" id="{4ED40495-D9DB-AA87-4474-68DA5D8CA88C}"/>
               </a:ext>
             </a:extLst>
           </p:cNvPr>
@@ -5639,7 +5639,7 @@
             <p:cNvPr id="16" name="Straight Connector 15">
               <a:extLst>
                 <a:ext uri="{FF2B5EF4-FFF2-40B4-BE49-F238E27FC236}">
-                  <a16:creationId xmlns:a16="http://schemas.microsoft.com/office/drawing/2014/main" id="{A15A6649-BE77-6F3F-DF74-0045E0AC6025}"/>
+                  <a16:creationId xmlns:a16="http://schemas.microsoft.com/office/drawing/2014/main" xmlns="" id="{A15A6649-BE77-6F3F-DF74-0045E0AC6025}"/>
                 </a:ext>
               </a:extLst>
             </p:cNvPr>
@@ -5682,7 +5682,7 @@
             <p:cNvPr id="17" name="Straight Connector 16">
               <a:extLst>
                 <a:ext uri="{FF2B5EF4-FFF2-40B4-BE49-F238E27FC236}">
-                  <a16:creationId xmlns:a16="http://schemas.microsoft.com/office/drawing/2014/main" id="{BEF33DD1-C51F-9BE1-2F97-D4025B3E653D}"/>
+                  <a16:creationId xmlns:a16="http://schemas.microsoft.com/office/drawing/2014/main" xmlns="" id="{BEF33DD1-C51F-9BE1-2F97-D4025B3E653D}"/>
                 </a:ext>
               </a:extLst>
             </p:cNvPr>
@@ -5764,7 +5764,7 @@
           <p:cNvPr id="18" name="Rectangle 17">
             <a:extLst>
               <a:ext uri="{FF2B5EF4-FFF2-40B4-BE49-F238E27FC236}">
-                <a16:creationId xmlns:a16="http://schemas.microsoft.com/office/drawing/2014/main" id="{6966E69F-7113-AC99-F7E1-A44B7D64DEF3}"/>
+                <a16:creationId xmlns:a16="http://schemas.microsoft.com/office/drawing/2014/main" xmlns="" id="{6966E69F-7113-AC99-F7E1-A44B7D64DEF3}"/>
               </a:ext>
             </a:extLst>
           </p:cNvPr>
@@ -5806,7 +5806,7 @@
           <a:bodyPr rtlCol="0" anchor="ctr"/>
           <a:lstStyle>
             <a:defPPr>
-              <a:defRPr lang="en-PK"/>
+              <a:defRPr lang="x-none"/>
             </a:defPPr>
             <a:lvl1pPr marL="0" algn="l" defTabSz="914400" rtl="0" eaLnBrk="1" latinLnBrk="0" hangingPunct="1">
               <a:defRPr sz="1800" kern="1200">
@@ -5910,7 +5910,7 @@
           <p:cNvPr id="4" name="Footer Placeholder 3">
             <a:extLst>
               <a:ext uri="{FF2B5EF4-FFF2-40B4-BE49-F238E27FC236}">
-                <a16:creationId xmlns:a16="http://schemas.microsoft.com/office/drawing/2014/main" id="{BA0C7E2C-83B2-58E9-DE90-AB1857F1A170}"/>
+                <a16:creationId xmlns:a16="http://schemas.microsoft.com/office/drawing/2014/main" xmlns="" id="{BA0C7E2C-83B2-58E9-DE90-AB1857F1A170}"/>
               </a:ext>
             </a:extLst>
           </p:cNvPr>
@@ -5946,7 +5946,7 @@
           <p:cNvPr id="5" name="Slide Number Placeholder 4">
             <a:extLst>
               <a:ext uri="{FF2B5EF4-FFF2-40B4-BE49-F238E27FC236}">
-                <a16:creationId xmlns:a16="http://schemas.microsoft.com/office/drawing/2014/main" id="{F487B4A1-AE7C-A6CC-7143-5EC918D662F7}"/>
+                <a16:creationId xmlns:a16="http://schemas.microsoft.com/office/drawing/2014/main" xmlns="" id="{F487B4A1-AE7C-A6CC-7143-5EC918D662F7}"/>
               </a:ext>
             </a:extLst>
           </p:cNvPr>
@@ -5984,7 +5984,7 @@
           <p:cNvPr id="9" name="Title 8">
             <a:extLst>
               <a:ext uri="{FF2B5EF4-FFF2-40B4-BE49-F238E27FC236}">
-                <a16:creationId xmlns:a16="http://schemas.microsoft.com/office/drawing/2014/main" id="{A78715BA-7A66-D464-AAEF-141988B8718B}"/>
+                <a16:creationId xmlns:a16="http://schemas.microsoft.com/office/drawing/2014/main" xmlns="" id="{A78715BA-7A66-D464-AAEF-141988B8718B}"/>
               </a:ext>
             </a:extLst>
           </p:cNvPr>
@@ -6025,7 +6025,7 @@
           <p:cNvPr id="11" name="Text Placeholder 10">
             <a:extLst>
               <a:ext uri="{FF2B5EF4-FFF2-40B4-BE49-F238E27FC236}">
-                <a16:creationId xmlns:a16="http://schemas.microsoft.com/office/drawing/2014/main" id="{3D0BF4BF-3C7C-C67F-B6EE-805EC95EF8CA}"/>
+                <a16:creationId xmlns:a16="http://schemas.microsoft.com/office/drawing/2014/main" xmlns="" id="{3D0BF4BF-3C7C-C67F-B6EE-805EC95EF8CA}"/>
               </a:ext>
             </a:extLst>
           </p:cNvPr>
@@ -6102,7 +6102,7 @@
           <p:cNvPr id="14" name="Text Placeholder 13">
             <a:extLst>
               <a:ext uri="{FF2B5EF4-FFF2-40B4-BE49-F238E27FC236}">
-                <a16:creationId xmlns:a16="http://schemas.microsoft.com/office/drawing/2014/main" id="{EF15CD76-2DD5-DB8A-37D3-6098A50870D0}"/>
+                <a16:creationId xmlns:a16="http://schemas.microsoft.com/office/drawing/2014/main" xmlns="" id="{EF15CD76-2DD5-DB8A-37D3-6098A50870D0}"/>
               </a:ext>
             </a:extLst>
           </p:cNvPr>
@@ -6230,7 +6230,7 @@
           <p:cNvPr id="15" name="Text Placeholder 13">
             <a:extLst>
               <a:ext uri="{FF2B5EF4-FFF2-40B4-BE49-F238E27FC236}">
-                <a16:creationId xmlns:a16="http://schemas.microsoft.com/office/drawing/2014/main" id="{57A044E0-660B-4002-E13C-F00498E49782}"/>
+                <a16:creationId xmlns:a16="http://schemas.microsoft.com/office/drawing/2014/main" xmlns="" id="{57A044E0-660B-4002-E13C-F00498E49782}"/>
               </a:ext>
             </a:extLst>
           </p:cNvPr>
@@ -6358,7 +6358,7 @@
           <p:cNvPr id="19" name="Group 18">
             <a:extLst>
               <a:ext uri="{FF2B5EF4-FFF2-40B4-BE49-F238E27FC236}">
-                <a16:creationId xmlns:a16="http://schemas.microsoft.com/office/drawing/2014/main" id="{FF8CCEDA-D691-A48A-BAAF-D004EBE38E55}"/>
+                <a16:creationId xmlns:a16="http://schemas.microsoft.com/office/drawing/2014/main" xmlns="" id="{FF8CCEDA-D691-A48A-BAAF-D004EBE38E55}"/>
               </a:ext>
             </a:extLst>
           </p:cNvPr>
@@ -6378,7 +6378,7 @@
             <p:cNvPr id="20" name="Straight Connector 19">
               <a:extLst>
                 <a:ext uri="{FF2B5EF4-FFF2-40B4-BE49-F238E27FC236}">
-                  <a16:creationId xmlns:a16="http://schemas.microsoft.com/office/drawing/2014/main" id="{5605A0EB-A31A-D2D4-5671-D1F763493E1F}"/>
+                  <a16:creationId xmlns:a16="http://schemas.microsoft.com/office/drawing/2014/main" xmlns="" id="{5605A0EB-A31A-D2D4-5671-D1F763493E1F}"/>
                 </a:ext>
               </a:extLst>
             </p:cNvPr>
@@ -6421,7 +6421,7 @@
             <p:cNvPr id="21" name="Straight Connector 20">
               <a:extLst>
                 <a:ext uri="{FF2B5EF4-FFF2-40B4-BE49-F238E27FC236}">
-                  <a16:creationId xmlns:a16="http://schemas.microsoft.com/office/drawing/2014/main" id="{EFEFE03D-E00E-B4FD-6765-44E55D5FA212}"/>
+                  <a16:creationId xmlns:a16="http://schemas.microsoft.com/office/drawing/2014/main" xmlns="" id="{EFEFE03D-E00E-B4FD-6765-44E55D5FA212}"/>
                 </a:ext>
               </a:extLst>
             </p:cNvPr>
@@ -6503,7 +6503,7 @@
           <p:cNvPr id="18" name="Rectangle 17">
             <a:extLst>
               <a:ext uri="{FF2B5EF4-FFF2-40B4-BE49-F238E27FC236}">
-                <a16:creationId xmlns:a16="http://schemas.microsoft.com/office/drawing/2014/main" id="{0F5A1967-7F8F-319E-2E67-BD9E4F074B05}"/>
+                <a16:creationId xmlns:a16="http://schemas.microsoft.com/office/drawing/2014/main" xmlns="" id="{0F5A1967-7F8F-319E-2E67-BD9E4F074B05}"/>
               </a:ext>
             </a:extLst>
           </p:cNvPr>
@@ -6545,7 +6545,7 @@
           <a:bodyPr rtlCol="0" anchor="ctr"/>
           <a:lstStyle>
             <a:defPPr>
-              <a:defRPr lang="en-PK"/>
+              <a:defRPr lang="x-none"/>
             </a:defPPr>
             <a:lvl1pPr marL="0" algn="l" defTabSz="914400" rtl="0" eaLnBrk="1" latinLnBrk="0" hangingPunct="1">
               <a:defRPr sz="1800" kern="1200">
@@ -6653,7 +6653,7 @@
           <p:cNvPr id="19" name="Group 18">
             <a:extLst>
               <a:ext uri="{FF2B5EF4-FFF2-40B4-BE49-F238E27FC236}">
-                <a16:creationId xmlns:a16="http://schemas.microsoft.com/office/drawing/2014/main" id="{52425424-7549-BE00-EA05-384DBD00F3B2}"/>
+                <a16:creationId xmlns:a16="http://schemas.microsoft.com/office/drawing/2014/main" xmlns="" id="{52425424-7549-BE00-EA05-384DBD00F3B2}"/>
               </a:ext>
             </a:extLst>
           </p:cNvPr>
@@ -6673,7 +6673,7 @@
             <p:cNvPr id="20" name="Straight Connector 19">
               <a:extLst>
                 <a:ext uri="{FF2B5EF4-FFF2-40B4-BE49-F238E27FC236}">
-                  <a16:creationId xmlns:a16="http://schemas.microsoft.com/office/drawing/2014/main" id="{4D88329B-DC1A-F93F-7A3A-84FDE2989BB6}"/>
+                  <a16:creationId xmlns:a16="http://schemas.microsoft.com/office/drawing/2014/main" xmlns="" id="{4D88329B-DC1A-F93F-7A3A-84FDE2989BB6}"/>
                 </a:ext>
               </a:extLst>
             </p:cNvPr>
@@ -6716,7 +6716,7 @@
             <p:cNvPr id="21" name="Straight Connector 20">
               <a:extLst>
                 <a:ext uri="{FF2B5EF4-FFF2-40B4-BE49-F238E27FC236}">
-                  <a16:creationId xmlns:a16="http://schemas.microsoft.com/office/drawing/2014/main" id="{E7690B71-E252-7020-6DC7-F643767B2B78}"/>
+                  <a16:creationId xmlns:a16="http://schemas.microsoft.com/office/drawing/2014/main" xmlns="" id="{E7690B71-E252-7020-6DC7-F643767B2B78}"/>
                 </a:ext>
               </a:extLst>
             </p:cNvPr>
@@ -6760,7 +6760,7 @@
           <p:cNvPr id="4" name="Footer Placeholder 3">
             <a:extLst>
               <a:ext uri="{FF2B5EF4-FFF2-40B4-BE49-F238E27FC236}">
-                <a16:creationId xmlns:a16="http://schemas.microsoft.com/office/drawing/2014/main" id="{BA0C7E2C-83B2-58E9-DE90-AB1857F1A170}"/>
+                <a16:creationId xmlns:a16="http://schemas.microsoft.com/office/drawing/2014/main" xmlns="" id="{BA0C7E2C-83B2-58E9-DE90-AB1857F1A170}"/>
               </a:ext>
             </a:extLst>
           </p:cNvPr>
@@ -6788,7 +6788,7 @@
           <p:cNvPr id="5" name="Slide Number Placeholder 4">
             <a:extLst>
               <a:ext uri="{FF2B5EF4-FFF2-40B4-BE49-F238E27FC236}">
-                <a16:creationId xmlns:a16="http://schemas.microsoft.com/office/drawing/2014/main" id="{F487B4A1-AE7C-A6CC-7143-5EC918D662F7}"/>
+                <a16:creationId xmlns:a16="http://schemas.microsoft.com/office/drawing/2014/main" xmlns="" id="{F487B4A1-AE7C-A6CC-7143-5EC918D662F7}"/>
               </a:ext>
             </a:extLst>
           </p:cNvPr>
@@ -6818,7 +6818,7 @@
           <p:cNvPr id="9" name="Title 8">
             <a:extLst>
               <a:ext uri="{FF2B5EF4-FFF2-40B4-BE49-F238E27FC236}">
-                <a16:creationId xmlns:a16="http://schemas.microsoft.com/office/drawing/2014/main" id="{A78715BA-7A66-D464-AAEF-141988B8718B}"/>
+                <a16:creationId xmlns:a16="http://schemas.microsoft.com/office/drawing/2014/main" xmlns="" id="{A78715BA-7A66-D464-AAEF-141988B8718B}"/>
               </a:ext>
             </a:extLst>
           </p:cNvPr>
@@ -6862,7 +6862,7 @@
           <p:cNvPr id="11" name="Text Placeholder 10">
             <a:extLst>
               <a:ext uri="{FF2B5EF4-FFF2-40B4-BE49-F238E27FC236}">
-                <a16:creationId xmlns:a16="http://schemas.microsoft.com/office/drawing/2014/main" id="{3D0BF4BF-3C7C-C67F-B6EE-805EC95EF8CA}"/>
+                <a16:creationId xmlns:a16="http://schemas.microsoft.com/office/drawing/2014/main" xmlns="" id="{3D0BF4BF-3C7C-C67F-B6EE-805EC95EF8CA}"/>
               </a:ext>
             </a:extLst>
           </p:cNvPr>
@@ -6939,7 +6939,7 @@
           <p:cNvPr id="12" name="Text Placeholder 10">
             <a:extLst>
               <a:ext uri="{FF2B5EF4-FFF2-40B4-BE49-F238E27FC236}">
-                <a16:creationId xmlns:a16="http://schemas.microsoft.com/office/drawing/2014/main" id="{BA37E40B-957E-C00E-3B34-1B67D341A771}"/>
+                <a16:creationId xmlns:a16="http://schemas.microsoft.com/office/drawing/2014/main" xmlns="" id="{BA37E40B-957E-C00E-3B34-1B67D341A771}"/>
               </a:ext>
             </a:extLst>
           </p:cNvPr>
@@ -7016,7 +7016,7 @@
           <p:cNvPr id="14" name="Text Placeholder 13">
             <a:extLst>
               <a:ext uri="{FF2B5EF4-FFF2-40B4-BE49-F238E27FC236}">
-                <a16:creationId xmlns:a16="http://schemas.microsoft.com/office/drawing/2014/main" id="{EF15CD76-2DD5-DB8A-37D3-6098A50870D0}"/>
+                <a16:creationId xmlns:a16="http://schemas.microsoft.com/office/drawing/2014/main" xmlns="" id="{EF15CD76-2DD5-DB8A-37D3-6098A50870D0}"/>
               </a:ext>
             </a:extLst>
           </p:cNvPr>
@@ -7130,7 +7130,7 @@
           <p:cNvPr id="15" name="Text Placeholder 13">
             <a:extLst>
               <a:ext uri="{FF2B5EF4-FFF2-40B4-BE49-F238E27FC236}">
-                <a16:creationId xmlns:a16="http://schemas.microsoft.com/office/drawing/2014/main" id="{57A044E0-660B-4002-E13C-F00498E49782}"/>
+                <a16:creationId xmlns:a16="http://schemas.microsoft.com/office/drawing/2014/main" xmlns="" id="{57A044E0-660B-4002-E13C-F00498E49782}"/>
               </a:ext>
             </a:extLst>
           </p:cNvPr>
@@ -7244,7 +7244,7 @@
           <p:cNvPr id="22" name="Text Placeholder 10">
             <a:extLst>
               <a:ext uri="{FF2B5EF4-FFF2-40B4-BE49-F238E27FC236}">
-                <a16:creationId xmlns:a16="http://schemas.microsoft.com/office/drawing/2014/main" id="{93287C28-1CA8-AEA5-1E16-BC0B1E99CD24}"/>
+                <a16:creationId xmlns:a16="http://schemas.microsoft.com/office/drawing/2014/main" xmlns="" id="{93287C28-1CA8-AEA5-1E16-BC0B1E99CD24}"/>
               </a:ext>
             </a:extLst>
           </p:cNvPr>
@@ -7321,7 +7321,7 @@
           <p:cNvPr id="23" name="Text Placeholder 13">
             <a:extLst>
               <a:ext uri="{FF2B5EF4-FFF2-40B4-BE49-F238E27FC236}">
-                <a16:creationId xmlns:a16="http://schemas.microsoft.com/office/drawing/2014/main" id="{19920C32-5167-72B1-7B9E-709723F907CE}"/>
+                <a16:creationId xmlns:a16="http://schemas.microsoft.com/office/drawing/2014/main" xmlns="" id="{19920C32-5167-72B1-7B9E-709723F907CE}"/>
               </a:ext>
             </a:extLst>
           </p:cNvPr>
@@ -7473,7 +7473,7 @@
           <p:cNvPr id="16" name="Rectangle 15">
             <a:extLst>
               <a:ext uri="{FF2B5EF4-FFF2-40B4-BE49-F238E27FC236}">
-                <a16:creationId xmlns:a16="http://schemas.microsoft.com/office/drawing/2014/main" id="{F5F7D9D8-A960-E038-84D2-764C7A50F698}"/>
+                <a16:creationId xmlns:a16="http://schemas.microsoft.com/office/drawing/2014/main" xmlns="" id="{F5F7D9D8-A960-E038-84D2-764C7A50F698}"/>
               </a:ext>
             </a:extLst>
           </p:cNvPr>
@@ -7529,7 +7529,7 @@
           <p:cNvPr id="4" name="Footer Placeholder 3">
             <a:extLst>
               <a:ext uri="{FF2B5EF4-FFF2-40B4-BE49-F238E27FC236}">
-                <a16:creationId xmlns:a16="http://schemas.microsoft.com/office/drawing/2014/main" id="{BA0C7E2C-83B2-58E9-DE90-AB1857F1A170}"/>
+                <a16:creationId xmlns:a16="http://schemas.microsoft.com/office/drawing/2014/main" xmlns="" id="{BA0C7E2C-83B2-58E9-DE90-AB1857F1A170}"/>
               </a:ext>
             </a:extLst>
           </p:cNvPr>
@@ -7557,7 +7557,7 @@
           <p:cNvPr id="5" name="Slide Number Placeholder 4">
             <a:extLst>
               <a:ext uri="{FF2B5EF4-FFF2-40B4-BE49-F238E27FC236}">
-                <a16:creationId xmlns:a16="http://schemas.microsoft.com/office/drawing/2014/main" id="{F487B4A1-AE7C-A6CC-7143-5EC918D662F7}"/>
+                <a16:creationId xmlns:a16="http://schemas.microsoft.com/office/drawing/2014/main" xmlns="" id="{F487B4A1-AE7C-A6CC-7143-5EC918D662F7}"/>
               </a:ext>
             </a:extLst>
           </p:cNvPr>
@@ -7587,7 +7587,7 @@
           <p:cNvPr id="9" name="Title 8">
             <a:extLst>
               <a:ext uri="{FF2B5EF4-FFF2-40B4-BE49-F238E27FC236}">
-                <a16:creationId xmlns:a16="http://schemas.microsoft.com/office/drawing/2014/main" id="{A78715BA-7A66-D464-AAEF-141988B8718B}"/>
+                <a16:creationId xmlns:a16="http://schemas.microsoft.com/office/drawing/2014/main" xmlns="" id="{A78715BA-7A66-D464-AAEF-141988B8718B}"/>
               </a:ext>
             </a:extLst>
           </p:cNvPr>
@@ -7631,7 +7631,7 @@
           <p:cNvPr id="11" name="Text Placeholder 10">
             <a:extLst>
               <a:ext uri="{FF2B5EF4-FFF2-40B4-BE49-F238E27FC236}">
-                <a16:creationId xmlns:a16="http://schemas.microsoft.com/office/drawing/2014/main" id="{3D0BF4BF-3C7C-C67F-B6EE-805EC95EF8CA}"/>
+                <a16:creationId xmlns:a16="http://schemas.microsoft.com/office/drawing/2014/main" xmlns="" id="{3D0BF4BF-3C7C-C67F-B6EE-805EC95EF8CA}"/>
               </a:ext>
             </a:extLst>
           </p:cNvPr>
@@ -7708,7 +7708,7 @@
           <p:cNvPr id="12" name="Text Placeholder 10">
             <a:extLst>
               <a:ext uri="{FF2B5EF4-FFF2-40B4-BE49-F238E27FC236}">
-                <a16:creationId xmlns:a16="http://schemas.microsoft.com/office/drawing/2014/main" id="{BA37E40B-957E-C00E-3B34-1B67D341A771}"/>
+                <a16:creationId xmlns:a16="http://schemas.microsoft.com/office/drawing/2014/main" xmlns="" id="{BA37E40B-957E-C00E-3B34-1B67D341A771}"/>
               </a:ext>
             </a:extLst>
           </p:cNvPr>
@@ -7785,7 +7785,7 @@
           <p:cNvPr id="14" name="Text Placeholder 13">
             <a:extLst>
               <a:ext uri="{FF2B5EF4-FFF2-40B4-BE49-F238E27FC236}">
-                <a16:creationId xmlns:a16="http://schemas.microsoft.com/office/drawing/2014/main" id="{EF15CD76-2DD5-DB8A-37D3-6098A50870D0}"/>
+                <a16:creationId xmlns:a16="http://schemas.microsoft.com/office/drawing/2014/main" xmlns="" id="{EF15CD76-2DD5-DB8A-37D3-6098A50870D0}"/>
               </a:ext>
             </a:extLst>
           </p:cNvPr>
@@ -7906,7 +7906,7 @@
           <p:cNvPr id="15" name="Text Placeholder 13">
             <a:extLst>
               <a:ext uri="{FF2B5EF4-FFF2-40B4-BE49-F238E27FC236}">
-                <a16:creationId xmlns:a16="http://schemas.microsoft.com/office/drawing/2014/main" id="{57A044E0-660B-4002-E13C-F00498E49782}"/>
+                <a16:creationId xmlns:a16="http://schemas.microsoft.com/office/drawing/2014/main" xmlns="" id="{57A044E0-660B-4002-E13C-F00498E49782}"/>
               </a:ext>
             </a:extLst>
           </p:cNvPr>
@@ -8027,7 +8027,7 @@
           <p:cNvPr id="17" name="Group 16">
             <a:extLst>
               <a:ext uri="{FF2B5EF4-FFF2-40B4-BE49-F238E27FC236}">
-                <a16:creationId xmlns:a16="http://schemas.microsoft.com/office/drawing/2014/main" id="{40DF3371-342F-C17D-5A7F-EF76E89A55C5}"/>
+                <a16:creationId xmlns:a16="http://schemas.microsoft.com/office/drawing/2014/main" xmlns="" id="{40DF3371-342F-C17D-5A7F-EF76E89A55C5}"/>
               </a:ext>
             </a:extLst>
           </p:cNvPr>
@@ -8047,7 +8047,7 @@
             <p:cNvPr id="24" name="Straight Connector 23">
               <a:extLst>
                 <a:ext uri="{FF2B5EF4-FFF2-40B4-BE49-F238E27FC236}">
-                  <a16:creationId xmlns:a16="http://schemas.microsoft.com/office/drawing/2014/main" id="{84369914-5489-3EA1-5419-F83F6C7A150D}"/>
+                  <a16:creationId xmlns:a16="http://schemas.microsoft.com/office/drawing/2014/main" xmlns="" id="{84369914-5489-3EA1-5419-F83F6C7A150D}"/>
                 </a:ext>
               </a:extLst>
             </p:cNvPr>
@@ -8090,7 +8090,7 @@
             <p:cNvPr id="25" name="Straight Connector 24">
               <a:extLst>
                 <a:ext uri="{FF2B5EF4-FFF2-40B4-BE49-F238E27FC236}">
-                  <a16:creationId xmlns:a16="http://schemas.microsoft.com/office/drawing/2014/main" id="{0BDE23CC-0B75-F3A6-1882-265BF90D4AA1}"/>
+                  <a16:creationId xmlns:a16="http://schemas.microsoft.com/office/drawing/2014/main" xmlns="" id="{0BDE23CC-0B75-F3A6-1882-265BF90D4AA1}"/>
                 </a:ext>
               </a:extLst>
             </p:cNvPr>
@@ -8188,7 +8188,7 @@
           <p:cNvPr id="16" name="Rectangle 15">
             <a:extLst>
               <a:ext uri="{FF2B5EF4-FFF2-40B4-BE49-F238E27FC236}">
-                <a16:creationId xmlns:a16="http://schemas.microsoft.com/office/drawing/2014/main" id="{5749AEB6-4539-A203-D085-8EBE329C08E0}"/>
+                <a16:creationId xmlns:a16="http://schemas.microsoft.com/office/drawing/2014/main" xmlns="" id="{5749AEB6-4539-A203-D085-8EBE329C08E0}"/>
               </a:ext>
             </a:extLst>
           </p:cNvPr>
@@ -8244,7 +8244,7 @@
           <p:cNvPr id="4" name="Footer Placeholder 3">
             <a:extLst>
               <a:ext uri="{FF2B5EF4-FFF2-40B4-BE49-F238E27FC236}">
-                <a16:creationId xmlns:a16="http://schemas.microsoft.com/office/drawing/2014/main" id="{BA0C7E2C-83B2-58E9-DE90-AB1857F1A170}"/>
+                <a16:creationId xmlns:a16="http://schemas.microsoft.com/office/drawing/2014/main" xmlns="" id="{BA0C7E2C-83B2-58E9-DE90-AB1857F1A170}"/>
               </a:ext>
             </a:extLst>
           </p:cNvPr>
@@ -8272,7 +8272,7 @@
           <p:cNvPr id="5" name="Slide Number Placeholder 4">
             <a:extLst>
               <a:ext uri="{FF2B5EF4-FFF2-40B4-BE49-F238E27FC236}">
-                <a16:creationId xmlns:a16="http://schemas.microsoft.com/office/drawing/2014/main" id="{F487B4A1-AE7C-A6CC-7143-5EC918D662F7}"/>
+                <a16:creationId xmlns:a16="http://schemas.microsoft.com/office/drawing/2014/main" xmlns="" id="{F487B4A1-AE7C-A6CC-7143-5EC918D662F7}"/>
               </a:ext>
             </a:extLst>
           </p:cNvPr>
@@ -8310,7 +8310,7 @@
           <p:cNvPr id="9" name="Title 8">
             <a:extLst>
               <a:ext uri="{FF2B5EF4-FFF2-40B4-BE49-F238E27FC236}">
-                <a16:creationId xmlns:a16="http://schemas.microsoft.com/office/drawing/2014/main" id="{A78715BA-7A66-D464-AAEF-141988B8718B}"/>
+                <a16:creationId xmlns:a16="http://schemas.microsoft.com/office/drawing/2014/main" xmlns="" id="{A78715BA-7A66-D464-AAEF-141988B8718B}"/>
               </a:ext>
             </a:extLst>
           </p:cNvPr>
@@ -8354,7 +8354,7 @@
           <p:cNvPr id="11" name="Text Placeholder 10">
             <a:extLst>
               <a:ext uri="{FF2B5EF4-FFF2-40B4-BE49-F238E27FC236}">
-                <a16:creationId xmlns:a16="http://schemas.microsoft.com/office/drawing/2014/main" id="{3D0BF4BF-3C7C-C67F-B6EE-805EC95EF8CA}"/>
+                <a16:creationId xmlns:a16="http://schemas.microsoft.com/office/drawing/2014/main" xmlns="" id="{3D0BF4BF-3C7C-C67F-B6EE-805EC95EF8CA}"/>
               </a:ext>
             </a:extLst>
           </p:cNvPr>
@@ -8431,7 +8431,7 @@
           <p:cNvPr id="12" name="Text Placeholder 10">
             <a:extLst>
               <a:ext uri="{FF2B5EF4-FFF2-40B4-BE49-F238E27FC236}">
-                <a16:creationId xmlns:a16="http://schemas.microsoft.com/office/drawing/2014/main" id="{BA37E40B-957E-C00E-3B34-1B67D341A771}"/>
+                <a16:creationId xmlns:a16="http://schemas.microsoft.com/office/drawing/2014/main" xmlns="" id="{BA37E40B-957E-C00E-3B34-1B67D341A771}"/>
               </a:ext>
             </a:extLst>
           </p:cNvPr>
@@ -8508,7 +8508,7 @@
           <p:cNvPr id="14" name="Text Placeholder 13">
             <a:extLst>
               <a:ext uri="{FF2B5EF4-FFF2-40B4-BE49-F238E27FC236}">
-                <a16:creationId xmlns:a16="http://schemas.microsoft.com/office/drawing/2014/main" id="{EF15CD76-2DD5-DB8A-37D3-6098A50870D0}"/>
+                <a16:creationId xmlns:a16="http://schemas.microsoft.com/office/drawing/2014/main" xmlns="" id="{EF15CD76-2DD5-DB8A-37D3-6098A50870D0}"/>
               </a:ext>
             </a:extLst>
           </p:cNvPr>
@@ -8629,7 +8629,7 @@
           <p:cNvPr id="15" name="Text Placeholder 13">
             <a:extLst>
               <a:ext uri="{FF2B5EF4-FFF2-40B4-BE49-F238E27FC236}">
-                <a16:creationId xmlns:a16="http://schemas.microsoft.com/office/drawing/2014/main" id="{57A044E0-660B-4002-E13C-F00498E49782}"/>
+                <a16:creationId xmlns:a16="http://schemas.microsoft.com/office/drawing/2014/main" xmlns="" id="{57A044E0-660B-4002-E13C-F00498E49782}"/>
               </a:ext>
             </a:extLst>
           </p:cNvPr>
@@ -8750,7 +8750,7 @@
           <p:cNvPr id="17" name="Group 16">
             <a:extLst>
               <a:ext uri="{FF2B5EF4-FFF2-40B4-BE49-F238E27FC236}">
-                <a16:creationId xmlns:a16="http://schemas.microsoft.com/office/drawing/2014/main" id="{0D78A0CF-0A37-4436-67C4-B32FD7703E96}"/>
+                <a16:creationId xmlns:a16="http://schemas.microsoft.com/office/drawing/2014/main" xmlns="" id="{0D78A0CF-0A37-4436-67C4-B32FD7703E96}"/>
               </a:ext>
             </a:extLst>
           </p:cNvPr>
@@ -8770,7 +8770,7 @@
             <p:cNvPr id="24" name="Straight Connector 23">
               <a:extLst>
                 <a:ext uri="{FF2B5EF4-FFF2-40B4-BE49-F238E27FC236}">
-                  <a16:creationId xmlns:a16="http://schemas.microsoft.com/office/drawing/2014/main" id="{8FC6D8A4-CA31-16C2-95B7-B98F65F29A69}"/>
+                  <a16:creationId xmlns:a16="http://schemas.microsoft.com/office/drawing/2014/main" xmlns="" id="{8FC6D8A4-CA31-16C2-95B7-B98F65F29A69}"/>
                 </a:ext>
               </a:extLst>
             </p:cNvPr>
@@ -8813,7 +8813,7 @@
             <p:cNvPr id="25" name="Straight Connector 24">
               <a:extLst>
                 <a:ext uri="{FF2B5EF4-FFF2-40B4-BE49-F238E27FC236}">
-                  <a16:creationId xmlns:a16="http://schemas.microsoft.com/office/drawing/2014/main" id="{02097A8D-64FC-CDBD-4497-5E32BC6AF9C2}"/>
+                  <a16:creationId xmlns:a16="http://schemas.microsoft.com/office/drawing/2014/main" xmlns="" id="{02097A8D-64FC-CDBD-4497-5E32BC6AF9C2}"/>
                 </a:ext>
               </a:extLst>
             </p:cNvPr>
@@ -8892,7 +8892,7 @@
           <p:cNvPr id="2" name="Title Placeholder 1">
             <a:extLst>
               <a:ext uri="{FF2B5EF4-FFF2-40B4-BE49-F238E27FC236}">
-                <a16:creationId xmlns:a16="http://schemas.microsoft.com/office/drawing/2014/main" id="{C76BC278-3A9A-4241-1DE5-469D2AB5E36B}"/>
+                <a16:creationId xmlns:a16="http://schemas.microsoft.com/office/drawing/2014/main" xmlns="" id="{C76BC278-3A9A-4241-1DE5-469D2AB5E36B}"/>
               </a:ext>
             </a:extLst>
           </p:cNvPr>
@@ -8930,7 +8930,7 @@
           <p:cNvPr id="3" name="Text Placeholder 2">
             <a:extLst>
               <a:ext uri="{FF2B5EF4-FFF2-40B4-BE49-F238E27FC236}">
-                <a16:creationId xmlns:a16="http://schemas.microsoft.com/office/drawing/2014/main" id="{138A5E58-5605-E2B6-AEBE-7EF159AAD7E2}"/>
+                <a16:creationId xmlns:a16="http://schemas.microsoft.com/office/drawing/2014/main" xmlns="" id="{138A5E58-5605-E2B6-AEBE-7EF159AAD7E2}"/>
               </a:ext>
             </a:extLst>
           </p:cNvPr>
@@ -8997,7 +8997,7 @@
           <p:cNvPr id="4" name="Date Placeholder 3">
             <a:extLst>
               <a:ext uri="{FF2B5EF4-FFF2-40B4-BE49-F238E27FC236}">
-                <a16:creationId xmlns:a16="http://schemas.microsoft.com/office/drawing/2014/main" id="{B221D507-72FD-CB53-B342-C69D562AFDCE}"/>
+                <a16:creationId xmlns:a16="http://schemas.microsoft.com/office/drawing/2014/main" xmlns="" id="{B221D507-72FD-CB53-B342-C69D562AFDCE}"/>
               </a:ext>
             </a:extLst>
           </p:cNvPr>
@@ -9042,7 +9042,7 @@
           <p:cNvPr id="5" name="Footer Placeholder 4">
             <a:extLst>
               <a:ext uri="{FF2B5EF4-FFF2-40B4-BE49-F238E27FC236}">
-                <a16:creationId xmlns:a16="http://schemas.microsoft.com/office/drawing/2014/main" id="{01A3E9A7-861F-C5C4-DD4E-37AC66D867ED}"/>
+                <a16:creationId xmlns:a16="http://schemas.microsoft.com/office/drawing/2014/main" xmlns="" id="{01A3E9A7-861F-C5C4-DD4E-37AC66D867ED}"/>
               </a:ext>
             </a:extLst>
           </p:cNvPr>
@@ -9088,7 +9088,7 @@
           <p:cNvPr id="6" name="Slide Number Placeholder 5">
             <a:extLst>
               <a:ext uri="{FF2B5EF4-FFF2-40B4-BE49-F238E27FC236}">
-                <a16:creationId xmlns:a16="http://schemas.microsoft.com/office/drawing/2014/main" id="{5877A1DC-56B8-6C78-5020-E45478D099C6}"/>
+                <a16:creationId xmlns:a16="http://schemas.microsoft.com/office/drawing/2014/main" xmlns="" id="{5877A1DC-56B8-6C78-5020-E45478D099C6}"/>
               </a:ext>
             </a:extLst>
           </p:cNvPr>
@@ -9344,7 +9344,7 @@
     </p:bodyStyle>
     <p:otherStyle>
       <a:defPPr>
-        <a:defRPr lang="en-PK"/>
+        <a:defRPr lang="x-none"/>
       </a:defPPr>
       <a:lvl1pPr marL="0" algn="l" defTabSz="914400" rtl="0" eaLnBrk="1" latinLnBrk="0" hangingPunct="1">
         <a:defRPr sz="1800" kern="1200">
@@ -9471,7 +9471,7 @@
           <p:cNvPr id="24" name="Title 23">
             <a:extLst>
               <a:ext uri="{FF2B5EF4-FFF2-40B4-BE49-F238E27FC236}">
-                <a16:creationId xmlns:a16="http://schemas.microsoft.com/office/drawing/2014/main" id="{04B07C7A-8E1D-7BF7-31C8-5C68C6D2F9CF}"/>
+                <a16:creationId xmlns:a16="http://schemas.microsoft.com/office/drawing/2014/main" xmlns="" id="{04B07C7A-8E1D-7BF7-31C8-5C68C6D2F9CF}"/>
               </a:ext>
             </a:extLst>
           </p:cNvPr>
@@ -9508,7 +9508,7 @@
           <p:cNvPr id="11" name="Subtitle 10">
             <a:extLst>
               <a:ext uri="{FF2B5EF4-FFF2-40B4-BE49-F238E27FC236}">
-                <a16:creationId xmlns:a16="http://schemas.microsoft.com/office/drawing/2014/main" id="{EF3A7BFE-9123-98C4-791C-9A3FE773CF97}"/>
+                <a16:creationId xmlns:a16="http://schemas.microsoft.com/office/drawing/2014/main" xmlns="" id="{EF3A7BFE-9123-98C4-791C-9A3FE773CF97}"/>
               </a:ext>
             </a:extLst>
           </p:cNvPr>
@@ -9531,9 +9531,25 @@
           <a:p>
             <a:r>
               <a:rPr lang="en-US" dirty="0"/>
-              <a:t>              P SRAVAN KUMAR    [217Z1A05E8]</a:t>
-            </a:r>
-            <a:endParaRPr lang="en-PK" dirty="0"/>
+              <a:t>             </a:t>
+            </a:r>
+            <a:r>
+              <a:rPr lang="en-US" dirty="0" smtClean="0"/>
+              <a:t>J. SAI POOJITHA</a:t>
+            </a:r>
+            <a:r>
+              <a:rPr lang="en-US" dirty="0" smtClean="0"/>
+              <a:t>    </a:t>
+            </a:r>
+            <a:r>
+              <a:rPr lang="en-US" dirty="0"/>
+              <a:t>[</a:t>
+            </a:r>
+            <a:r>
+              <a:rPr lang="en-US" dirty="0" smtClean="0"/>
+              <a:t>217Z1A0585]</a:t>
+            </a:r>
+            <a:endParaRPr lang="x-none" dirty="0"/>
           </a:p>
         </p:txBody>
       </p:sp>
@@ -9572,7 +9588,7 @@
           <p:cNvPr id="2" name="Title 1">
             <a:extLst>
               <a:ext uri="{FF2B5EF4-FFF2-40B4-BE49-F238E27FC236}">
-                <a16:creationId xmlns:a16="http://schemas.microsoft.com/office/drawing/2014/main" id="{4379103A-7E0F-A503-491C-874CA2A16BC0}"/>
+                <a16:creationId xmlns:a16="http://schemas.microsoft.com/office/drawing/2014/main" xmlns="" id="{4379103A-7E0F-A503-491C-874CA2A16BC0}"/>
               </a:ext>
             </a:extLst>
           </p:cNvPr>
@@ -9600,7 +9616,7 @@
           <p:cNvPr id="4" name="Slide Number Placeholder 3">
             <a:extLst>
               <a:ext uri="{FF2B5EF4-FFF2-40B4-BE49-F238E27FC236}">
-                <a16:creationId xmlns:a16="http://schemas.microsoft.com/office/drawing/2014/main" id="{C0B85CC1-CC9E-26A5-C05A-E64ABEDD931D}"/>
+                <a16:creationId xmlns:a16="http://schemas.microsoft.com/office/drawing/2014/main" xmlns="" id="{C0B85CC1-CC9E-26A5-C05A-E64ABEDD931D}"/>
               </a:ext>
             </a:extLst>
           </p:cNvPr>
@@ -9630,7 +9646,7 @@
           <p:cNvPr id="5" name="Content Placeholder 4">
             <a:extLst>
               <a:ext uri="{FF2B5EF4-FFF2-40B4-BE49-F238E27FC236}">
-                <a16:creationId xmlns:a16="http://schemas.microsoft.com/office/drawing/2014/main" id="{DA7A49E4-DCE3-62DE-B6D1-539EBFFFE689}"/>
+                <a16:creationId xmlns:a16="http://schemas.microsoft.com/office/drawing/2014/main" xmlns="" id="{DA7A49E4-DCE3-62DE-B6D1-539EBFFFE689}"/>
               </a:ext>
             </a:extLst>
           </p:cNvPr>
@@ -9709,7 +9725,7 @@
           <p:cNvPr id="2" name="Title 1">
             <a:extLst>
               <a:ext uri="{FF2B5EF4-FFF2-40B4-BE49-F238E27FC236}">
-                <a16:creationId xmlns:a16="http://schemas.microsoft.com/office/drawing/2014/main" id="{A98BDE3D-CB39-03D2-545F-5283024761BD}"/>
+                <a16:creationId xmlns:a16="http://schemas.microsoft.com/office/drawing/2014/main" xmlns="" id="{A98BDE3D-CB39-03D2-545F-5283024761BD}"/>
               </a:ext>
             </a:extLst>
           </p:cNvPr>
@@ -9737,7 +9753,7 @@
           <p:cNvPr id="12" name="Footer Placeholder 11">
             <a:extLst>
               <a:ext uri="{FF2B5EF4-FFF2-40B4-BE49-F238E27FC236}">
-                <a16:creationId xmlns:a16="http://schemas.microsoft.com/office/drawing/2014/main" id="{119D6C7A-A7F7-E063-9A09-611D1FB1DBE6}"/>
+                <a16:creationId xmlns:a16="http://schemas.microsoft.com/office/drawing/2014/main" xmlns="" id="{119D6C7A-A7F7-E063-9A09-611D1FB1DBE6}"/>
               </a:ext>
             </a:extLst>
           </p:cNvPr>
@@ -9765,7 +9781,7 @@
           <p:cNvPr id="13" name="Slide Number Placeholder 12">
             <a:extLst>
               <a:ext uri="{FF2B5EF4-FFF2-40B4-BE49-F238E27FC236}">
-                <a16:creationId xmlns:a16="http://schemas.microsoft.com/office/drawing/2014/main" id="{941D71DF-7225-6C66-9D2B-FAACEFF20849}"/>
+                <a16:creationId xmlns:a16="http://schemas.microsoft.com/office/drawing/2014/main" xmlns="" id="{941D71DF-7225-6C66-9D2B-FAACEFF20849}"/>
               </a:ext>
             </a:extLst>
           </p:cNvPr>
@@ -9795,7 +9811,7 @@
           <p:cNvPr id="17" name="Table 16">
             <a:extLst>
               <a:ext uri="{FF2B5EF4-FFF2-40B4-BE49-F238E27FC236}">
-                <a16:creationId xmlns:a16="http://schemas.microsoft.com/office/drawing/2014/main" id="{972E0475-A450-0147-3D0E-4CCBAA058E99}"/>
+                <a16:creationId xmlns:a16="http://schemas.microsoft.com/office/drawing/2014/main" xmlns="" id="{972E0475-A450-0147-3D0E-4CCBAA058E99}"/>
               </a:ext>
             </a:extLst>
           </p:cNvPr>
@@ -9824,70 +9840,70 @@
                 <a:gridCol w="1086104">
                   <a:extLst>
                     <a:ext uri="{9D8B030D-6E8A-4147-A177-3AD203B41FA5}">
-                      <a16:colId xmlns:a16="http://schemas.microsoft.com/office/drawing/2014/main" val="3460650392"/>
+                      <a16:colId xmlns:a16="http://schemas.microsoft.com/office/drawing/2014/main" xmlns="" val="3460650392"/>
                     </a:ext>
                   </a:extLst>
                 </a:gridCol>
                 <a:gridCol w="1086104">
                   <a:extLst>
                     <a:ext uri="{9D8B030D-6E8A-4147-A177-3AD203B41FA5}">
-                      <a16:colId xmlns:a16="http://schemas.microsoft.com/office/drawing/2014/main" val="1304790569"/>
+                      <a16:colId xmlns:a16="http://schemas.microsoft.com/office/drawing/2014/main" xmlns="" val="1304790569"/>
                     </a:ext>
                   </a:extLst>
                 </a:gridCol>
                 <a:gridCol w="1086104">
                   <a:extLst>
                     <a:ext uri="{9D8B030D-6E8A-4147-A177-3AD203B41FA5}">
-                      <a16:colId xmlns:a16="http://schemas.microsoft.com/office/drawing/2014/main" val="3924704016"/>
+                      <a16:colId xmlns:a16="http://schemas.microsoft.com/office/drawing/2014/main" xmlns="" val="3924704016"/>
                     </a:ext>
                   </a:extLst>
                 </a:gridCol>
                 <a:gridCol w="1086104">
                   <a:extLst>
                     <a:ext uri="{9D8B030D-6E8A-4147-A177-3AD203B41FA5}">
-                      <a16:colId xmlns:a16="http://schemas.microsoft.com/office/drawing/2014/main" val="2443049106"/>
+                      <a16:colId xmlns:a16="http://schemas.microsoft.com/office/drawing/2014/main" xmlns="" val="2443049106"/>
                     </a:ext>
                   </a:extLst>
                 </a:gridCol>
                 <a:gridCol w="1086104">
                   <a:extLst>
                     <a:ext uri="{9D8B030D-6E8A-4147-A177-3AD203B41FA5}">
-                      <a16:colId xmlns:a16="http://schemas.microsoft.com/office/drawing/2014/main" val="2475136265"/>
+                      <a16:colId xmlns:a16="http://schemas.microsoft.com/office/drawing/2014/main" xmlns="" val="2475136265"/>
                     </a:ext>
                   </a:extLst>
                 </a:gridCol>
                 <a:gridCol w="1086104">
                   <a:extLst>
                     <a:ext uri="{9D8B030D-6E8A-4147-A177-3AD203B41FA5}">
-                      <a16:colId xmlns:a16="http://schemas.microsoft.com/office/drawing/2014/main" val="3281805888"/>
+                      <a16:colId xmlns:a16="http://schemas.microsoft.com/office/drawing/2014/main" xmlns="" val="3281805888"/>
                     </a:ext>
                   </a:extLst>
                 </a:gridCol>
                 <a:gridCol w="1086104">
                   <a:extLst>
                     <a:ext uri="{9D8B030D-6E8A-4147-A177-3AD203B41FA5}">
-                      <a16:colId xmlns:a16="http://schemas.microsoft.com/office/drawing/2014/main" val="3531759461"/>
+                      <a16:colId xmlns:a16="http://schemas.microsoft.com/office/drawing/2014/main" xmlns="" val="3531759461"/>
                     </a:ext>
                   </a:extLst>
                 </a:gridCol>
                 <a:gridCol w="1086104">
                   <a:extLst>
                     <a:ext uri="{9D8B030D-6E8A-4147-A177-3AD203B41FA5}">
-                      <a16:colId xmlns:a16="http://schemas.microsoft.com/office/drawing/2014/main" val="3417549645"/>
+                      <a16:colId xmlns:a16="http://schemas.microsoft.com/office/drawing/2014/main" xmlns="" val="3417549645"/>
                     </a:ext>
                   </a:extLst>
                 </a:gridCol>
                 <a:gridCol w="1086104">
                   <a:extLst>
                     <a:ext uri="{9D8B030D-6E8A-4147-A177-3AD203B41FA5}">
-                      <a16:colId xmlns:a16="http://schemas.microsoft.com/office/drawing/2014/main" val="2991687591"/>
+                      <a16:colId xmlns:a16="http://schemas.microsoft.com/office/drawing/2014/main" xmlns="" val="2991687591"/>
                     </a:ext>
                   </a:extLst>
                 </a:gridCol>
                 <a:gridCol w="1086104">
                   <a:extLst>
                     <a:ext uri="{9D8B030D-6E8A-4147-A177-3AD203B41FA5}">
-                      <a16:colId xmlns:a16="http://schemas.microsoft.com/office/drawing/2014/main" val="1616588430"/>
+                      <a16:colId xmlns:a16="http://schemas.microsoft.com/office/drawing/2014/main" xmlns="" val="1616588430"/>
                     </a:ext>
                   </a:extLst>
                 </a:gridCol>
@@ -10125,7 +10141,7 @@
                 </a:tc>
                 <a:extLst>
                   <a:ext uri="{0D108BD9-81ED-4DB2-BD59-A6C34878D82A}">
-                    <a16:rowId xmlns:a16="http://schemas.microsoft.com/office/drawing/2014/main" val="1276072144"/>
+                    <a16:rowId xmlns:a16="http://schemas.microsoft.com/office/drawing/2014/main" xmlns="" val="1276072144"/>
                   </a:ext>
                 </a:extLst>
               </a:tr>
@@ -10247,7 +10263,7 @@
                 </a:tc>
                 <a:extLst>
                   <a:ext uri="{0D108BD9-81ED-4DB2-BD59-A6C34878D82A}">
-                    <a16:rowId xmlns:a16="http://schemas.microsoft.com/office/drawing/2014/main" val="2021241746"/>
+                    <a16:rowId xmlns:a16="http://schemas.microsoft.com/office/drawing/2014/main" xmlns="" val="2021241746"/>
                   </a:ext>
                 </a:extLst>
               </a:tr>
@@ -10406,7 +10422,7 @@
                 </a:tc>
                 <a:extLst>
                   <a:ext uri="{0D108BD9-81ED-4DB2-BD59-A6C34878D82A}">
-                    <a16:rowId xmlns:a16="http://schemas.microsoft.com/office/drawing/2014/main" val="1275371824"/>
+                    <a16:rowId xmlns:a16="http://schemas.microsoft.com/office/drawing/2014/main" xmlns="" val="1275371824"/>
                   </a:ext>
                 </a:extLst>
               </a:tr>
@@ -10546,7 +10562,7 @@
                 </a:tc>
                 <a:extLst>
                   <a:ext uri="{0D108BD9-81ED-4DB2-BD59-A6C34878D82A}">
-                    <a16:rowId xmlns:a16="http://schemas.microsoft.com/office/drawing/2014/main" val="4256171172"/>
+                    <a16:rowId xmlns:a16="http://schemas.microsoft.com/office/drawing/2014/main" xmlns="" val="4256171172"/>
                   </a:ext>
                 </a:extLst>
               </a:tr>
@@ -10559,7 +10575,7 @@
           <p:cNvPr id="18" name="Table 17">
             <a:extLst>
               <a:ext uri="{FF2B5EF4-FFF2-40B4-BE49-F238E27FC236}">
-                <a16:creationId xmlns:a16="http://schemas.microsoft.com/office/drawing/2014/main" id="{4BC62C4E-55C7-893C-7BB6-CD1BAF711A5C}"/>
+                <a16:creationId xmlns:a16="http://schemas.microsoft.com/office/drawing/2014/main" xmlns="" id="{4BC62C4E-55C7-893C-7BB6-CD1BAF711A5C}"/>
               </a:ext>
             </a:extLst>
           </p:cNvPr>
@@ -10586,7 +10602,7 @@
                 <a:gridCol w="4283242">
                   <a:extLst>
                     <a:ext uri="{9D8B030D-6E8A-4147-A177-3AD203B41FA5}">
-                      <a16:colId xmlns:a16="http://schemas.microsoft.com/office/drawing/2014/main" val="691624498"/>
+                      <a16:colId xmlns:a16="http://schemas.microsoft.com/office/drawing/2014/main" xmlns="" val="691624498"/>
                     </a:ext>
                   </a:extLst>
                 </a:gridCol>
@@ -10633,7 +10649,7 @@
                 </a:tc>
                 <a:extLst>
                   <a:ext uri="{0D108BD9-81ED-4DB2-BD59-A6C34878D82A}">
-                    <a16:rowId xmlns:a16="http://schemas.microsoft.com/office/drawing/2014/main" val="3166790205"/>
+                    <a16:rowId xmlns:a16="http://schemas.microsoft.com/office/drawing/2014/main" xmlns="" val="3166790205"/>
                   </a:ext>
                 </a:extLst>
               </a:tr>
@@ -10646,7 +10662,7 @@
           <p:cNvPr id="19" name="Table 18">
             <a:extLst>
               <a:ext uri="{FF2B5EF4-FFF2-40B4-BE49-F238E27FC236}">
-                <a16:creationId xmlns:a16="http://schemas.microsoft.com/office/drawing/2014/main" id="{A10B77E7-C393-83AD-0429-FC783363E2E5}"/>
+                <a16:creationId xmlns:a16="http://schemas.microsoft.com/office/drawing/2014/main" xmlns="" id="{A10B77E7-C393-83AD-0429-FC783363E2E5}"/>
               </a:ext>
             </a:extLst>
           </p:cNvPr>
@@ -10673,7 +10689,7 @@
                 <a:gridCol w="4267200">
                   <a:extLst>
                     <a:ext uri="{9D8B030D-6E8A-4147-A177-3AD203B41FA5}">
-                      <a16:colId xmlns:a16="http://schemas.microsoft.com/office/drawing/2014/main" val="3046394103"/>
+                      <a16:colId xmlns:a16="http://schemas.microsoft.com/office/drawing/2014/main" xmlns="" val="3046394103"/>
                     </a:ext>
                   </a:extLst>
                 </a:gridCol>
@@ -10728,7 +10744,7 @@
                 </a:tc>
                 <a:extLst>
                   <a:ext uri="{0D108BD9-81ED-4DB2-BD59-A6C34878D82A}">
-                    <a16:rowId xmlns:a16="http://schemas.microsoft.com/office/drawing/2014/main" val="482782068"/>
+                    <a16:rowId xmlns:a16="http://schemas.microsoft.com/office/drawing/2014/main" xmlns="" val="482782068"/>
                   </a:ext>
                 </a:extLst>
               </a:tr>
@@ -10741,7 +10757,7 @@
           <p:cNvPr id="21" name="Table 20">
             <a:extLst>
               <a:ext uri="{FF2B5EF4-FFF2-40B4-BE49-F238E27FC236}">
-                <a16:creationId xmlns:a16="http://schemas.microsoft.com/office/drawing/2014/main" id="{66777ED7-4CA0-E710-7FE2-100F19985113}"/>
+                <a16:creationId xmlns:a16="http://schemas.microsoft.com/office/drawing/2014/main" xmlns="" id="{66777ED7-4CA0-E710-7FE2-100F19985113}"/>
               </a:ext>
             </a:extLst>
           </p:cNvPr>
@@ -10770,70 +10786,70 @@
                 <a:gridCol w="1086104">
                   <a:extLst>
                     <a:ext uri="{9D8B030D-6E8A-4147-A177-3AD203B41FA5}">
-                      <a16:colId xmlns:a16="http://schemas.microsoft.com/office/drawing/2014/main" val="320893791"/>
+                      <a16:colId xmlns:a16="http://schemas.microsoft.com/office/drawing/2014/main" xmlns="" val="320893791"/>
                     </a:ext>
                   </a:extLst>
                 </a:gridCol>
                 <a:gridCol w="1086104">
                   <a:extLst>
                     <a:ext uri="{9D8B030D-6E8A-4147-A177-3AD203B41FA5}">
-                      <a16:colId xmlns:a16="http://schemas.microsoft.com/office/drawing/2014/main" val="2852872740"/>
+                      <a16:colId xmlns:a16="http://schemas.microsoft.com/office/drawing/2014/main" xmlns="" val="2852872740"/>
                     </a:ext>
                   </a:extLst>
                 </a:gridCol>
                 <a:gridCol w="1086104">
                   <a:extLst>
                     <a:ext uri="{9D8B030D-6E8A-4147-A177-3AD203B41FA5}">
-                      <a16:colId xmlns:a16="http://schemas.microsoft.com/office/drawing/2014/main" val="1884418603"/>
+                      <a16:colId xmlns:a16="http://schemas.microsoft.com/office/drawing/2014/main" xmlns="" val="1884418603"/>
                     </a:ext>
                   </a:extLst>
                 </a:gridCol>
                 <a:gridCol w="1086104">
                   <a:extLst>
                     <a:ext uri="{9D8B030D-6E8A-4147-A177-3AD203B41FA5}">
-                      <a16:colId xmlns:a16="http://schemas.microsoft.com/office/drawing/2014/main" val="882279895"/>
+                      <a16:colId xmlns:a16="http://schemas.microsoft.com/office/drawing/2014/main" xmlns="" val="882279895"/>
                     </a:ext>
                   </a:extLst>
                 </a:gridCol>
                 <a:gridCol w="1086104">
                   <a:extLst>
                     <a:ext uri="{9D8B030D-6E8A-4147-A177-3AD203B41FA5}">
-                      <a16:colId xmlns:a16="http://schemas.microsoft.com/office/drawing/2014/main" val="2090818203"/>
+                      <a16:colId xmlns:a16="http://schemas.microsoft.com/office/drawing/2014/main" xmlns="" val="2090818203"/>
                     </a:ext>
                   </a:extLst>
                 </a:gridCol>
                 <a:gridCol w="1086104">
                   <a:extLst>
                     <a:ext uri="{9D8B030D-6E8A-4147-A177-3AD203B41FA5}">
-                      <a16:colId xmlns:a16="http://schemas.microsoft.com/office/drawing/2014/main" val="1542060761"/>
+                      <a16:colId xmlns:a16="http://schemas.microsoft.com/office/drawing/2014/main" xmlns="" val="1542060761"/>
                     </a:ext>
                   </a:extLst>
                 </a:gridCol>
                 <a:gridCol w="1086104">
                   <a:extLst>
                     <a:ext uri="{9D8B030D-6E8A-4147-A177-3AD203B41FA5}">
-                      <a16:colId xmlns:a16="http://schemas.microsoft.com/office/drawing/2014/main" val="1628629345"/>
+                      <a16:colId xmlns:a16="http://schemas.microsoft.com/office/drawing/2014/main" xmlns="" val="1628629345"/>
                     </a:ext>
                   </a:extLst>
                 </a:gridCol>
                 <a:gridCol w="1086104">
                   <a:extLst>
                     <a:ext uri="{9D8B030D-6E8A-4147-A177-3AD203B41FA5}">
-                      <a16:colId xmlns:a16="http://schemas.microsoft.com/office/drawing/2014/main" val="1507574854"/>
+                      <a16:colId xmlns:a16="http://schemas.microsoft.com/office/drawing/2014/main" xmlns="" val="1507574854"/>
                     </a:ext>
                   </a:extLst>
                 </a:gridCol>
                 <a:gridCol w="1086104">
                   <a:extLst>
                     <a:ext uri="{9D8B030D-6E8A-4147-A177-3AD203B41FA5}">
-                      <a16:colId xmlns:a16="http://schemas.microsoft.com/office/drawing/2014/main" val="4011762608"/>
+                      <a16:colId xmlns:a16="http://schemas.microsoft.com/office/drawing/2014/main" xmlns="" val="4011762608"/>
                     </a:ext>
                   </a:extLst>
                 </a:gridCol>
                 <a:gridCol w="1086104">
                   <a:extLst>
                     <a:ext uri="{9D8B030D-6E8A-4147-A177-3AD203B41FA5}">
-                      <a16:colId xmlns:a16="http://schemas.microsoft.com/office/drawing/2014/main" val="948966492"/>
+                      <a16:colId xmlns:a16="http://schemas.microsoft.com/office/drawing/2014/main" xmlns="" val="948966492"/>
                     </a:ext>
                   </a:extLst>
                 </a:gridCol>
@@ -10974,7 +10990,7 @@
                 </a:tc>
                 <a:extLst>
                   <a:ext uri="{0D108BD9-81ED-4DB2-BD59-A6C34878D82A}">
-                    <a16:rowId xmlns:a16="http://schemas.microsoft.com/office/drawing/2014/main" val="3560195627"/>
+                    <a16:rowId xmlns:a16="http://schemas.microsoft.com/office/drawing/2014/main" xmlns="" val="3560195627"/>
                   </a:ext>
                 </a:extLst>
               </a:tr>
@@ -11017,7 +11033,7 @@
           <p:cNvPr id="2" name="Title 1">
             <a:extLst>
               <a:ext uri="{FF2B5EF4-FFF2-40B4-BE49-F238E27FC236}">
-                <a16:creationId xmlns:a16="http://schemas.microsoft.com/office/drawing/2014/main" id="{11464AE1-C6FD-2EFB-79A7-7C9A6C853EF8}"/>
+                <a16:creationId xmlns:a16="http://schemas.microsoft.com/office/drawing/2014/main" xmlns="" id="{11464AE1-C6FD-2EFB-79A7-7C9A6C853EF8}"/>
               </a:ext>
             </a:extLst>
           </p:cNvPr>
@@ -11050,7 +11066,7 @@
           <p:cNvPr id="3" name="Text Placeholder 2">
             <a:extLst>
               <a:ext uri="{FF2B5EF4-FFF2-40B4-BE49-F238E27FC236}">
-                <a16:creationId xmlns:a16="http://schemas.microsoft.com/office/drawing/2014/main" id="{33FB47C1-128E-60DF-5281-30C3EFCAB395}"/>
+                <a16:creationId xmlns:a16="http://schemas.microsoft.com/office/drawing/2014/main" xmlns="" id="{33FB47C1-128E-60DF-5281-30C3EFCAB395}"/>
               </a:ext>
             </a:extLst>
           </p:cNvPr>
@@ -11072,22 +11088,36 @@
           <a:lstStyle/>
           <a:p>
             <a:r>
+              <a:rPr lang="en-US" dirty="0" smtClean="0"/>
+              <a:t>J. </a:t>
+            </a:r>
+            <a:r>
+              <a:rPr lang="en-US" smtClean="0"/>
+              <a:t>SAI POOJITHA</a:t>
+            </a:r>
+            <a:endParaRPr lang="en-US" dirty="0"/>
+          </a:p>
+          <a:p>
+            <a:r>
               <a:rPr lang="en-US" dirty="0"/>
-              <a:t>P SRAVA KUMAR</a:t>
-            </a:r>
-          </a:p>
-          <a:p>
-            <a:r>
-              <a:rPr lang="en-US" dirty="0"/>
-              <a:t>[217Z1A05E8]</a:t>
-            </a:r>
-            <a:endParaRPr lang="en-PK" dirty="0"/>
-          </a:p>
-          <a:p>
-            <a:r>
-              <a:rPr lang="en-US" dirty="0"/>
-              <a:t>kumarsravan@gmail.com</a:t>
-            </a:r>
+              <a:t>[</a:t>
+            </a:r>
+            <a:r>
+              <a:rPr lang="en-US" dirty="0" smtClean="0"/>
+              <a:t>217Z1A0585]</a:t>
+            </a:r>
+            <a:endParaRPr lang="x-none" dirty="0"/>
+          </a:p>
+          <a:p>
+            <a:r>
+              <a:rPr lang="en-US" dirty="0" smtClean="0"/>
+              <a:t>jpsaipoojithakrishna</a:t>
+            </a:r>
+            <a:r>
+              <a:rPr lang="en-US" dirty="0" smtClean="0"/>
+              <a:t>@gmail.com</a:t>
+            </a:r>
+            <a:endParaRPr lang="en-US" dirty="0"/>
           </a:p>
         </p:txBody>
       </p:sp>
@@ -11931,15 +11961,6 @@
 </file>
 
 <file path=customXml/item1.xml><?xml version="1.0" encoding="utf-8"?>
-<?mso-contentType ?>
-<FormTemplates xmlns="http://schemas.microsoft.com/sharepoint/v3/contenttype/forms">
-  <Display>DocumentLibraryForm</Display>
-  <Edit>DocumentLibraryForm</Edit>
-  <New>DocumentLibraryForm</New>
-</FormTemplates>
-</file>
-
-<file path=customXml/item2.xml><?xml version="1.0" encoding="utf-8"?>
 <ct:contentTypeSchema xmlns:ct="http://schemas.microsoft.com/office/2006/metadata/contentType" xmlns:ma="http://schemas.microsoft.com/office/2006/metadata/properties/metaAttributes" ct:_="" ma:_="" ma:contentTypeName="Document" ma:contentTypeID="0x01010079F111ED35F8CC479449609E8A0923A6" ma:contentTypeVersion="24" ma:contentTypeDescription="Create a new document." ma:contentTypeScope="" ma:versionID="2d714a3296df14eba7a100bb665443ca">
   <xsd:schema xmlns:xsd="http://www.w3.org/2001/XMLSchema" xmlns:xs="http://www.w3.org/2001/XMLSchema" xmlns:p="http://schemas.microsoft.com/office/2006/metadata/properties" xmlns:ns1="http://schemas.microsoft.com/sharepoint/v3" xmlns:ns2="71af3243-3dd4-4a8d-8c0d-dd76da1f02a5" xmlns:ns3="16c05727-aa75-4e4a-9b5f-8a80a1165891" xmlns:ns4="230e9df3-be65-4c73-a93b-d1236ebd677e" targetNamespace="http://schemas.microsoft.com/office/2006/metadata/properties" ma:root="true" ma:fieldsID="49549bf45bfbbfb6cffed527380e77e1" ns1:_="" ns2:_="" ns3:_="" ns4:_="">
     <xsd:import namespace="http://schemas.microsoft.com/sharepoint/v3"/>
@@ -12227,6 +12248,15 @@
 </ct:contentTypeSchema>
 </file>
 
+<file path=customXml/item2.xml><?xml version="1.0" encoding="utf-8"?>
+<?mso-contentType ?>
+<FormTemplates xmlns="http://schemas.microsoft.com/sharepoint/v3/contenttype/forms">
+  <Display>DocumentLibraryForm</Display>
+  <Edit>DocumentLibraryForm</Edit>
+  <New>DocumentLibraryForm</New>
+</FormTemplates>
+</file>
+
 <file path=customXml/item3.xml><?xml version="1.0" encoding="utf-8"?>
 <p:properties xmlns:p="http://schemas.microsoft.com/office/2006/metadata/properties" xmlns:xsi="http://www.w3.org/2001/XMLSchema-instance" xmlns:pc="http://schemas.microsoft.com/office/infopath/2007/PartnerControls">
   <documentManagement>
@@ -12248,14 +12278,6 @@
 </file>
 
 <file path=customXml/itemProps1.xml><?xml version="1.0" encoding="utf-8"?>
-<ds:datastoreItem xmlns:ds="http://schemas.openxmlformats.org/officeDocument/2006/customXml" ds:itemID="{A66A1098-79A7-47E8-8A61-8CB2B72760B2}">
-  <ds:schemaRefs>
-    <ds:schemaRef ds:uri="http://schemas.microsoft.com/sharepoint/v3/contenttype/forms"/>
-  </ds:schemaRefs>
-</ds:datastoreItem>
-</file>
-
-<file path=customXml/itemProps2.xml><?xml version="1.0" encoding="utf-8"?>
 <ds:datastoreItem xmlns:ds="http://schemas.openxmlformats.org/officeDocument/2006/customXml" ds:itemID="{5D5FA367-1CF2-4EC2-949E-D7EB334E593C}">
   <ds:schemaRefs>
     <ds:schemaRef ds:uri="http://schemas.microsoft.com/office/2006/metadata/contentType"/>
@@ -12276,6 +12298,14 @@
 </ds:datastoreItem>
 </file>
 
+<file path=customXml/itemProps2.xml><?xml version="1.0" encoding="utf-8"?>
+<ds:datastoreItem xmlns:ds="http://schemas.openxmlformats.org/officeDocument/2006/customXml" ds:itemID="{A66A1098-79A7-47E8-8A61-8CB2B72760B2}">
+  <ds:schemaRefs>
+    <ds:schemaRef ds:uri="http://schemas.microsoft.com/sharepoint/v3/contenttype/forms"/>
+  </ds:schemaRefs>
+</ds:datastoreItem>
+</file>
+
 <file path=customXml/itemProps3.xml><?xml version="1.0" encoding="utf-8"?>
 <ds:datastoreItem xmlns:ds="http://schemas.openxmlformats.org/officeDocument/2006/customXml" ds:itemID="{92CF51A7-9108-45AF-AF64-7A03A8DEEF80}">
   <ds:schemaRefs>
